--- a/bwt-and-fm-index.pptx
+++ b/bwt-and-fm-index.pptx
@@ -21549,6 +21549,57 @@
           </a:graphicData>
         </a:graphic>
       </p:graphicFrame>
+      <p:sp>
+        <p:nvSpPr>
+          <p:cNvPr id="3" name="TextBox 2">
+            <a:extLst>
+              <a:ext uri="{FF2B5EF4-FFF2-40B4-BE49-F238E27FC236}">
+                <a16:creationId xmlns:a16="http://schemas.microsoft.com/office/drawing/2014/main" id="{938DD106-3CE3-83CC-1C79-3BD0A7EA514E}"/>
+              </a:ext>
+            </a:extLst>
+          </p:cNvPr>
+          <p:cNvSpPr txBox="1"/>
+          <p:nvPr/>
+        </p:nvSpPr>
+        <p:spPr>
+          <a:xfrm>
+            <a:off x="8780016" y="704740"/>
+            <a:ext cx="2890278" cy="523220"/>
+          </a:xfrm>
+          <a:prstGeom prst="rect">
+            <a:avLst/>
+          </a:prstGeom>
+          <a:noFill/>
+        </p:spPr>
+        <p:txBody>
+          <a:bodyPr wrap="none" rtlCol="0">
+            <a:spAutoFit/>
+          </a:bodyPr>
+          <a:lstStyle/>
+          <a:p>
+            <a:r>
+              <a:rPr lang="en-US" sz="1400" dirty="0">
+                <a:latin typeface="Times New Roman" panose="02020603050405020304" pitchFamily="18" charset="0"/>
+                <a:cs typeface="Times New Roman" panose="02020603050405020304" pitchFamily="18" charset="0"/>
+              </a:rPr>
+              <a:t>TALLY CHECKPOINT: 128</a:t>
+            </a:r>
+          </a:p>
+          <a:p>
+            <a:r>
+              <a:rPr lang="en-US" sz="1400" dirty="0">
+                <a:latin typeface="Times New Roman" panose="02020603050405020304" pitchFamily="18" charset="0"/>
+                <a:cs typeface="Times New Roman" panose="02020603050405020304" pitchFamily="18" charset="0"/>
+              </a:rPr>
+              <a:t>SUFFIX ARRAY CHECKPOINT: 16</a:t>
+            </a:r>
+            <a:endParaRPr lang="LID4096" sz="1400" dirty="0">
+              <a:latin typeface="Times New Roman" panose="02020603050405020304" pitchFamily="18" charset="0"/>
+              <a:cs typeface="Times New Roman" panose="02020603050405020304" pitchFamily="18" charset="0"/>
+            </a:endParaRPr>
+          </a:p>
+        </p:txBody>
+      </p:sp>
     </p:spTree>
     <p:extLst>
       <p:ext uri="{BB962C8B-B14F-4D97-AF65-F5344CB8AC3E}">
@@ -21781,6 +21832,57 @@
           </a:graphicData>
         </a:graphic>
       </p:graphicFrame>
+      <p:sp>
+        <p:nvSpPr>
+          <p:cNvPr id="8" name="TextBox 7">
+            <a:extLst>
+              <a:ext uri="{FF2B5EF4-FFF2-40B4-BE49-F238E27FC236}">
+                <a16:creationId xmlns:a16="http://schemas.microsoft.com/office/drawing/2014/main" id="{75B18E2D-833A-FEAC-02C5-4CF2D7396D98}"/>
+              </a:ext>
+            </a:extLst>
+          </p:cNvPr>
+          <p:cNvSpPr txBox="1"/>
+          <p:nvPr/>
+        </p:nvSpPr>
+        <p:spPr>
+          <a:xfrm>
+            <a:off x="9008504" y="766296"/>
+            <a:ext cx="2943351" cy="523220"/>
+          </a:xfrm>
+          <a:prstGeom prst="rect">
+            <a:avLst/>
+          </a:prstGeom>
+          <a:noFill/>
+        </p:spPr>
+        <p:txBody>
+          <a:bodyPr wrap="square">
+            <a:spAutoFit/>
+          </a:bodyPr>
+          <a:lstStyle/>
+          <a:p>
+            <a:r>
+              <a:rPr lang="en-US" sz="1400" dirty="0">
+                <a:latin typeface="Times New Roman" panose="02020603050405020304" pitchFamily="18" charset="0"/>
+                <a:cs typeface="Times New Roman" panose="02020603050405020304" pitchFamily="18" charset="0"/>
+              </a:rPr>
+              <a:t>TALLY CHECKPOINT: 128</a:t>
+            </a:r>
+          </a:p>
+          <a:p>
+            <a:r>
+              <a:rPr lang="en-US" sz="1400" dirty="0">
+                <a:latin typeface="Times New Roman" panose="02020603050405020304" pitchFamily="18" charset="0"/>
+                <a:cs typeface="Times New Roman" panose="02020603050405020304" pitchFamily="18" charset="0"/>
+              </a:rPr>
+              <a:t>SUFFIX ARRAY CHECKPOINT: 16</a:t>
+            </a:r>
+            <a:endParaRPr lang="LID4096" sz="1400" dirty="0">
+              <a:latin typeface="Times New Roman" panose="02020603050405020304" pitchFamily="18" charset="0"/>
+              <a:cs typeface="Times New Roman" panose="02020603050405020304" pitchFamily="18" charset="0"/>
+            </a:endParaRPr>
+          </a:p>
+        </p:txBody>
+      </p:sp>
     </p:spTree>
     <p:extLst>
       <p:ext uri="{BB962C8B-B14F-4D97-AF65-F5344CB8AC3E}">
@@ -22013,6 +22115,57 @@
           </a:graphicData>
         </a:graphic>
       </p:graphicFrame>
+      <p:sp>
+        <p:nvSpPr>
+          <p:cNvPr id="4" name="TextBox 3">
+            <a:extLst>
+              <a:ext uri="{FF2B5EF4-FFF2-40B4-BE49-F238E27FC236}">
+                <a16:creationId xmlns:a16="http://schemas.microsoft.com/office/drawing/2014/main" id="{08A2A503-7C61-D3A3-4B79-55AF89766ADB}"/>
+              </a:ext>
+            </a:extLst>
+          </p:cNvPr>
+          <p:cNvSpPr txBox="1"/>
+          <p:nvPr/>
+        </p:nvSpPr>
+        <p:spPr>
+          <a:xfrm>
+            <a:off x="8891155" y="766296"/>
+            <a:ext cx="2881745" cy="523220"/>
+          </a:xfrm>
+          <a:prstGeom prst="rect">
+            <a:avLst/>
+          </a:prstGeom>
+          <a:noFill/>
+        </p:spPr>
+        <p:txBody>
+          <a:bodyPr wrap="square">
+            <a:spAutoFit/>
+          </a:bodyPr>
+          <a:lstStyle/>
+          <a:p>
+            <a:r>
+              <a:rPr lang="en-US" sz="1400" dirty="0">
+                <a:latin typeface="Times New Roman" panose="02020603050405020304" pitchFamily="18" charset="0"/>
+                <a:cs typeface="Times New Roman" panose="02020603050405020304" pitchFamily="18" charset="0"/>
+              </a:rPr>
+              <a:t>TALLY CHECKPOINT: 128</a:t>
+            </a:r>
+          </a:p>
+          <a:p>
+            <a:r>
+              <a:rPr lang="en-US" sz="1400" dirty="0">
+                <a:latin typeface="Times New Roman" panose="02020603050405020304" pitchFamily="18" charset="0"/>
+                <a:cs typeface="Times New Roman" panose="02020603050405020304" pitchFamily="18" charset="0"/>
+              </a:rPr>
+              <a:t>SUFFIX ARRAY CHECKPOINT: 16</a:t>
+            </a:r>
+            <a:endParaRPr lang="LID4096" sz="1400" dirty="0">
+              <a:latin typeface="Times New Roman" panose="02020603050405020304" pitchFamily="18" charset="0"/>
+              <a:cs typeface="Times New Roman" panose="02020603050405020304" pitchFamily="18" charset="0"/>
+            </a:endParaRPr>
+          </a:p>
+        </p:txBody>
+      </p:sp>
     </p:spTree>
     <p:extLst>
       <p:ext uri="{BB962C8B-B14F-4D97-AF65-F5344CB8AC3E}">

--- a/bwt-and-fm-index.pptx
+++ b/bwt-and-fm-index.pptx
@@ -2484,14 +2484,17 @@
       </dgm:t>
     </dgm:pt>
     <dgm:pt modelId="{3A0B867C-DE26-4277-BD95-4194AE98DD69}">
-      <dgm:prSet/>
+      <dgm:prSet custT="1"/>
       <dgm:spPr/>
       <dgm:t>
         <a:bodyPr/>
         <a:lstStyle/>
         <a:p>
           <a:r>
-            <a:rPr lang="en-US"/>
+            <a:rPr lang="en-US" sz="2800" dirty="0">
+              <a:latin typeface="Times New Roman" panose="02020603050405020304" pitchFamily="18" charset="0"/>
+              <a:cs typeface="Times New Roman" panose="02020603050405020304" pitchFamily="18" charset="0"/>
+            </a:rPr>
             <a:t>Original code performance</a:t>
           </a:r>
         </a:p>
@@ -2520,21 +2523,30 @@
       </dgm:t>
     </dgm:pt>
     <dgm:pt modelId="{AEC79984-CB5A-49D9-90D6-65EEBF8B2222}">
-      <dgm:prSet/>
+      <dgm:prSet custT="1"/>
       <dgm:spPr/>
       <dgm:t>
         <a:bodyPr/>
         <a:lstStyle/>
         <a:p>
           <a:r>
-            <a:rPr lang="en-US"/>
+            <a:rPr lang="en-US" sz="2400" dirty="0">
+              <a:latin typeface="Times New Roman" panose="02020603050405020304" pitchFamily="18" charset="0"/>
+              <a:cs typeface="Times New Roman" panose="02020603050405020304" pitchFamily="18" charset="0"/>
+            </a:rPr>
             <a:t>Sequence: </a:t>
           </a:r>
           <a:r>
-            <a:rPr lang="en-US" b="1"/>
+            <a:rPr lang="en-US" sz="2400" b="1" dirty="0">
+              <a:latin typeface="Times New Roman" panose="02020603050405020304" pitchFamily="18" charset="0"/>
+              <a:cs typeface="Times New Roman" panose="02020603050405020304" pitchFamily="18" charset="0"/>
+            </a:rPr>
             <a:t>ATGCATG</a:t>
           </a:r>
-          <a:endParaRPr lang="en-US"/>
+          <a:endParaRPr lang="en-US" sz="2400" dirty="0">
+            <a:latin typeface="Times New Roman" panose="02020603050405020304" pitchFamily="18" charset="0"/>
+            <a:cs typeface="Times New Roman" panose="02020603050405020304" pitchFamily="18" charset="0"/>
+          </a:endParaRPr>
         </a:p>
       </dgm:t>
     </dgm:pt>
@@ -2561,22 +2573,31 @@
       </dgm:t>
     </dgm:pt>
     <dgm:pt modelId="{BD424AD6-6B2A-46A0-A213-7C281E998D83}">
-      <dgm:prSet/>
+      <dgm:prSet custT="1"/>
       <dgm:spPr/>
       <dgm:t>
         <a:bodyPr/>
         <a:lstStyle/>
         <a:p>
           <a:r>
-            <a:rPr lang="en-US" dirty="0"/>
+            <a:rPr lang="en-US" sz="2400" dirty="0">
+              <a:latin typeface="Times New Roman" panose="02020603050405020304" pitchFamily="18" charset="0"/>
+              <a:cs typeface="Times New Roman" panose="02020603050405020304" pitchFamily="18" charset="0"/>
+            </a:rPr>
             <a:t>Execution time [</a:t>
           </a:r>
           <a:r>
-            <a:rPr lang="en-US" i="1" dirty="0"/>
+            <a:rPr lang="en-US" sz="2400" i="1" dirty="0">
+              <a:latin typeface="Times New Roman" panose="02020603050405020304" pitchFamily="18" charset="0"/>
+              <a:cs typeface="Times New Roman" panose="02020603050405020304" pitchFamily="18" charset="0"/>
+            </a:rPr>
             <a:t>s</a:t>
           </a:r>
           <a:r>
-            <a:rPr lang="en-US" dirty="0"/>
+            <a:rPr lang="en-US" sz="2400" dirty="0">
+              <a:latin typeface="Times New Roman" panose="02020603050405020304" pitchFamily="18" charset="0"/>
+              <a:cs typeface="Times New Roman" panose="02020603050405020304" pitchFamily="18" charset="0"/>
+            </a:rPr>
             <a:t>]: 0.734</a:t>
           </a:r>
         </a:p>
@@ -2605,21 +2626,30 @@
       </dgm:t>
     </dgm:pt>
     <dgm:pt modelId="{A1B11C0B-DF06-4C7B-88FE-4E5CAB3D2288}">
-      <dgm:prSet/>
+      <dgm:prSet custT="1"/>
       <dgm:spPr/>
       <dgm:t>
         <a:bodyPr/>
         <a:lstStyle/>
         <a:p>
           <a:r>
-            <a:rPr lang="en-US"/>
+            <a:rPr lang="en-US" sz="2400" dirty="0">
+              <a:latin typeface="Times New Roman" panose="02020603050405020304" pitchFamily="18" charset="0"/>
+              <a:cs typeface="Times New Roman" panose="02020603050405020304" pitchFamily="18" charset="0"/>
+            </a:rPr>
             <a:t>Sequence: </a:t>
           </a:r>
           <a:r>
-            <a:rPr lang="en-US" b="1"/>
+            <a:rPr lang="en-US" sz="2400" b="1" dirty="0">
+              <a:latin typeface="Times New Roman" panose="02020603050405020304" pitchFamily="18" charset="0"/>
+              <a:cs typeface="Times New Roman" panose="02020603050405020304" pitchFamily="18" charset="0"/>
+            </a:rPr>
             <a:t>TCTCTCTA</a:t>
           </a:r>
-          <a:endParaRPr lang="en-US"/>
+          <a:endParaRPr lang="en-US" sz="2400" dirty="0">
+            <a:latin typeface="Times New Roman" panose="02020603050405020304" pitchFamily="18" charset="0"/>
+            <a:cs typeface="Times New Roman" panose="02020603050405020304" pitchFamily="18" charset="0"/>
+          </a:endParaRPr>
         </a:p>
       </dgm:t>
     </dgm:pt>
@@ -2646,22 +2676,31 @@
       </dgm:t>
     </dgm:pt>
     <dgm:pt modelId="{6BC6E61D-6328-43D0-B693-9AF050423888}">
-      <dgm:prSet/>
+      <dgm:prSet custT="1"/>
       <dgm:spPr/>
       <dgm:t>
         <a:bodyPr/>
         <a:lstStyle/>
         <a:p>
           <a:r>
-            <a:rPr lang="en-US" dirty="0"/>
+            <a:rPr lang="en-US" sz="2400" dirty="0">
+              <a:latin typeface="Times New Roman" panose="02020603050405020304" pitchFamily="18" charset="0"/>
+              <a:cs typeface="Times New Roman" panose="02020603050405020304" pitchFamily="18" charset="0"/>
+            </a:rPr>
             <a:t>Execution time [</a:t>
           </a:r>
           <a:r>
-            <a:rPr lang="en-US" i="1" dirty="0"/>
+            <a:rPr lang="en-US" sz="2400" i="1" dirty="0">
+              <a:latin typeface="Times New Roman" panose="02020603050405020304" pitchFamily="18" charset="0"/>
+              <a:cs typeface="Times New Roman" panose="02020603050405020304" pitchFamily="18" charset="0"/>
+            </a:rPr>
             <a:t>s</a:t>
           </a:r>
           <a:r>
-            <a:rPr lang="en-US" dirty="0"/>
+            <a:rPr lang="en-US" sz="2400" dirty="0">
+              <a:latin typeface="Times New Roman" panose="02020603050405020304" pitchFamily="18" charset="0"/>
+              <a:cs typeface="Times New Roman" panose="02020603050405020304" pitchFamily="18" charset="0"/>
+            </a:rPr>
             <a:t>]: 0.687</a:t>
           </a:r>
         </a:p>
@@ -2690,21 +2729,30 @@
       </dgm:t>
     </dgm:pt>
     <dgm:pt modelId="{E16A6A35-C9C2-4B55-8A52-0893D68B72C5}">
-      <dgm:prSet/>
+      <dgm:prSet custT="1"/>
       <dgm:spPr/>
       <dgm:t>
         <a:bodyPr/>
         <a:lstStyle/>
         <a:p>
           <a:r>
-            <a:rPr lang="en-US"/>
+            <a:rPr lang="en-US" sz="2400" dirty="0">
+              <a:latin typeface="Times New Roman" panose="02020603050405020304" pitchFamily="18" charset="0"/>
+              <a:cs typeface="Times New Roman" panose="02020603050405020304" pitchFamily="18" charset="0"/>
+            </a:rPr>
             <a:t>Sequence: </a:t>
           </a:r>
           <a:r>
-            <a:rPr lang="en-US" b="1"/>
+            <a:rPr lang="en-US" sz="2400" b="1" dirty="0">
+              <a:latin typeface="Times New Roman" panose="02020603050405020304" pitchFamily="18" charset="0"/>
+              <a:cs typeface="Times New Roman" panose="02020603050405020304" pitchFamily="18" charset="0"/>
+            </a:rPr>
             <a:t>TTCACTACTCTCA</a:t>
           </a:r>
-          <a:endParaRPr lang="en-US"/>
+          <a:endParaRPr lang="en-US" sz="2400" dirty="0">
+            <a:latin typeface="Times New Roman" panose="02020603050405020304" pitchFamily="18" charset="0"/>
+            <a:cs typeface="Times New Roman" panose="02020603050405020304" pitchFamily="18" charset="0"/>
+          </a:endParaRPr>
         </a:p>
       </dgm:t>
     </dgm:pt>
@@ -2731,22 +2779,31 @@
       </dgm:t>
     </dgm:pt>
     <dgm:pt modelId="{15E50676-0893-41C7-9C94-EB6A27D69F6A}">
-      <dgm:prSet/>
+      <dgm:prSet custT="1"/>
       <dgm:spPr/>
       <dgm:t>
         <a:bodyPr/>
         <a:lstStyle/>
         <a:p>
           <a:r>
-            <a:rPr lang="en-US" dirty="0"/>
+            <a:rPr lang="en-US" sz="2400" dirty="0">
+              <a:latin typeface="Times New Roman" panose="02020603050405020304" pitchFamily="18" charset="0"/>
+              <a:cs typeface="Times New Roman" panose="02020603050405020304" pitchFamily="18" charset="0"/>
+            </a:rPr>
             <a:t>Execution time [</a:t>
           </a:r>
           <a:r>
-            <a:rPr lang="en-US" i="1" dirty="0"/>
+            <a:rPr lang="en-US" sz="2400" i="1" dirty="0">
+              <a:latin typeface="Times New Roman" panose="02020603050405020304" pitchFamily="18" charset="0"/>
+              <a:cs typeface="Times New Roman" panose="02020603050405020304" pitchFamily="18" charset="0"/>
+            </a:rPr>
             <a:t>s</a:t>
           </a:r>
           <a:r>
-            <a:rPr lang="en-US" dirty="0"/>
+            <a:rPr lang="en-US" sz="2400" dirty="0">
+              <a:latin typeface="Times New Roman" panose="02020603050405020304" pitchFamily="18" charset="0"/>
+              <a:cs typeface="Times New Roman" panose="02020603050405020304" pitchFamily="18" charset="0"/>
+            </a:rPr>
             <a:t>]: 0.765</a:t>
           </a:r>
         </a:p>
@@ -2775,22 +2832,31 @@
       </dgm:t>
     </dgm:pt>
     <dgm:pt modelId="{B46EA63F-D1F8-41B6-9CF4-3F4B82257878}">
-      <dgm:prSet/>
+      <dgm:prSet custT="1"/>
       <dgm:spPr/>
       <dgm:t>
         <a:bodyPr/>
         <a:lstStyle/>
         <a:p>
           <a:r>
-            <a:rPr lang="en-US"/>
+            <a:rPr lang="en-US" sz="2400" dirty="0">
+              <a:latin typeface="Times New Roman" panose="02020603050405020304" pitchFamily="18" charset="0"/>
+              <a:cs typeface="Times New Roman" panose="02020603050405020304" pitchFamily="18" charset="0"/>
+            </a:rPr>
             <a:t>Memory usage [</a:t>
           </a:r>
           <a:r>
-            <a:rPr lang="en-US" i="1"/>
+            <a:rPr lang="en-US" sz="2400" i="1" dirty="0">
+              <a:latin typeface="Times New Roman" panose="02020603050405020304" pitchFamily="18" charset="0"/>
+              <a:cs typeface="Times New Roman" panose="02020603050405020304" pitchFamily="18" charset="0"/>
+            </a:rPr>
             <a:t>MB</a:t>
           </a:r>
           <a:r>
-            <a:rPr lang="en-US"/>
+            <a:rPr lang="en-US" sz="2400" dirty="0">
+              <a:latin typeface="Times New Roman" panose="02020603050405020304" pitchFamily="18" charset="0"/>
+              <a:cs typeface="Times New Roman" panose="02020603050405020304" pitchFamily="18" charset="0"/>
+            </a:rPr>
             <a:t>]: 1931.63</a:t>
           </a:r>
         </a:p>
@@ -2819,14 +2885,17 @@
       </dgm:t>
     </dgm:pt>
     <dgm:pt modelId="{5DF2C75F-883A-4496-AD8C-ED5790273077}">
-      <dgm:prSet/>
+      <dgm:prSet custT="1"/>
       <dgm:spPr/>
       <dgm:t>
         <a:bodyPr/>
         <a:lstStyle/>
         <a:p>
           <a:r>
-            <a:rPr lang="en-US"/>
+            <a:rPr lang="en-US" sz="2800" dirty="0">
+              <a:latin typeface="Times New Roman" panose="02020603050405020304" pitchFamily="18" charset="0"/>
+              <a:cs typeface="Times New Roman" panose="02020603050405020304" pitchFamily="18" charset="0"/>
+            </a:rPr>
             <a:t>Optimized code performance</a:t>
           </a:r>
         </a:p>
@@ -2855,21 +2924,30 @@
       </dgm:t>
     </dgm:pt>
     <dgm:pt modelId="{80AE3B0F-23ED-4960-B140-B5B48E3D6DB6}">
-      <dgm:prSet/>
+      <dgm:prSet custT="1"/>
       <dgm:spPr/>
       <dgm:t>
         <a:bodyPr/>
         <a:lstStyle/>
         <a:p>
           <a:r>
-            <a:rPr lang="en-US" dirty="0"/>
+            <a:rPr lang="en-US" sz="2400" dirty="0">
+              <a:latin typeface="Times New Roman" panose="02020603050405020304" pitchFamily="18" charset="0"/>
+              <a:cs typeface="Times New Roman" panose="02020603050405020304" pitchFamily="18" charset="0"/>
+            </a:rPr>
             <a:t>Sequence: </a:t>
           </a:r>
           <a:r>
-            <a:rPr lang="en-US" b="1" dirty="0"/>
+            <a:rPr lang="en-US" sz="2400" b="1" dirty="0">
+              <a:latin typeface="Times New Roman" panose="02020603050405020304" pitchFamily="18" charset="0"/>
+              <a:cs typeface="Times New Roman" panose="02020603050405020304" pitchFamily="18" charset="0"/>
+            </a:rPr>
             <a:t>ATGCATG</a:t>
           </a:r>
-          <a:endParaRPr lang="en-US" dirty="0"/>
+          <a:endParaRPr lang="en-US" sz="2400" dirty="0">
+            <a:latin typeface="Times New Roman" panose="02020603050405020304" pitchFamily="18" charset="0"/>
+            <a:cs typeface="Times New Roman" panose="02020603050405020304" pitchFamily="18" charset="0"/>
+          </a:endParaRPr>
         </a:p>
       </dgm:t>
     </dgm:pt>
@@ -2896,22 +2974,31 @@
       </dgm:t>
     </dgm:pt>
     <dgm:pt modelId="{A756062B-06E2-4831-8CD5-B8BED0547E6B}">
-      <dgm:prSet/>
+      <dgm:prSet custT="1"/>
       <dgm:spPr/>
       <dgm:t>
         <a:bodyPr/>
         <a:lstStyle/>
         <a:p>
           <a:r>
-            <a:rPr lang="en-US" dirty="0"/>
+            <a:rPr lang="en-US" sz="2400" dirty="0">
+              <a:latin typeface="Times New Roman" panose="02020603050405020304" pitchFamily="18" charset="0"/>
+              <a:cs typeface="Times New Roman" panose="02020603050405020304" pitchFamily="18" charset="0"/>
+            </a:rPr>
             <a:t>Execution time [</a:t>
           </a:r>
           <a:r>
-            <a:rPr lang="en-US" i="1" dirty="0"/>
+            <a:rPr lang="en-US" sz="2400" i="1" dirty="0">
+              <a:latin typeface="Times New Roman" panose="02020603050405020304" pitchFamily="18" charset="0"/>
+              <a:cs typeface="Times New Roman" panose="02020603050405020304" pitchFamily="18" charset="0"/>
+            </a:rPr>
             <a:t>s</a:t>
           </a:r>
           <a:r>
-            <a:rPr lang="en-US" dirty="0"/>
+            <a:rPr lang="en-US" sz="2400" dirty="0">
+              <a:latin typeface="Times New Roman" panose="02020603050405020304" pitchFamily="18" charset="0"/>
+              <a:cs typeface="Times New Roman" panose="02020603050405020304" pitchFamily="18" charset="0"/>
+            </a:rPr>
             <a:t>]: 0.047</a:t>
           </a:r>
         </a:p>
@@ -2940,21 +3027,30 @@
       </dgm:t>
     </dgm:pt>
     <dgm:pt modelId="{16B75BFE-0E97-4E5A-A5F7-5F902C100099}">
-      <dgm:prSet/>
+      <dgm:prSet custT="1"/>
       <dgm:spPr/>
       <dgm:t>
         <a:bodyPr/>
         <a:lstStyle/>
         <a:p>
           <a:r>
-            <a:rPr lang="en-US"/>
+            <a:rPr lang="en-US" sz="2400" dirty="0">
+              <a:latin typeface="Times New Roman" panose="02020603050405020304" pitchFamily="18" charset="0"/>
+              <a:cs typeface="Times New Roman" panose="02020603050405020304" pitchFamily="18" charset="0"/>
+            </a:rPr>
             <a:t>Sequence: </a:t>
           </a:r>
           <a:r>
-            <a:rPr lang="en-US" b="1"/>
+            <a:rPr lang="en-US" sz="2400" b="1" dirty="0">
+              <a:latin typeface="Times New Roman" panose="02020603050405020304" pitchFamily="18" charset="0"/>
+              <a:cs typeface="Times New Roman" panose="02020603050405020304" pitchFamily="18" charset="0"/>
+            </a:rPr>
             <a:t>TCTCTCTA</a:t>
           </a:r>
-          <a:endParaRPr lang="en-US"/>
+          <a:endParaRPr lang="en-US" sz="2400" dirty="0">
+            <a:latin typeface="Times New Roman" panose="02020603050405020304" pitchFamily="18" charset="0"/>
+            <a:cs typeface="Times New Roman" panose="02020603050405020304" pitchFamily="18" charset="0"/>
+          </a:endParaRPr>
         </a:p>
       </dgm:t>
     </dgm:pt>
@@ -2981,22 +3077,31 @@
       </dgm:t>
     </dgm:pt>
     <dgm:pt modelId="{FAAE5B2A-EDD1-4883-B86E-6C2F710AD7EA}">
-      <dgm:prSet/>
+      <dgm:prSet custT="1"/>
       <dgm:spPr/>
       <dgm:t>
         <a:bodyPr/>
         <a:lstStyle/>
         <a:p>
           <a:r>
-            <a:rPr lang="en-US" dirty="0"/>
+            <a:rPr lang="en-US" sz="2400" dirty="0">
+              <a:latin typeface="Times New Roman" panose="02020603050405020304" pitchFamily="18" charset="0"/>
+              <a:cs typeface="Times New Roman" panose="02020603050405020304" pitchFamily="18" charset="0"/>
+            </a:rPr>
             <a:t>Execution time [</a:t>
           </a:r>
           <a:r>
-            <a:rPr lang="en-US" i="1" dirty="0"/>
+            <a:rPr lang="en-US" sz="2400" i="1" dirty="0">
+              <a:latin typeface="Times New Roman" panose="02020603050405020304" pitchFamily="18" charset="0"/>
+              <a:cs typeface="Times New Roman" panose="02020603050405020304" pitchFamily="18" charset="0"/>
+            </a:rPr>
             <a:t>s</a:t>
           </a:r>
           <a:r>
-            <a:rPr lang="en-US" dirty="0"/>
+            <a:rPr lang="en-US" sz="2400" dirty="0">
+              <a:latin typeface="Times New Roman" panose="02020603050405020304" pitchFamily="18" charset="0"/>
+              <a:cs typeface="Times New Roman" panose="02020603050405020304" pitchFamily="18" charset="0"/>
+            </a:rPr>
             <a:t>]: 0.016</a:t>
           </a:r>
         </a:p>
@@ -3025,21 +3130,30 @@
       </dgm:t>
     </dgm:pt>
     <dgm:pt modelId="{E495105C-F95E-4186-BC65-1EEDEBE23275}">
-      <dgm:prSet/>
+      <dgm:prSet custT="1"/>
       <dgm:spPr/>
       <dgm:t>
         <a:bodyPr/>
         <a:lstStyle/>
         <a:p>
           <a:r>
-            <a:rPr lang="en-US"/>
+            <a:rPr lang="en-US" sz="2400" dirty="0">
+              <a:latin typeface="Times New Roman" panose="02020603050405020304" pitchFamily="18" charset="0"/>
+              <a:cs typeface="Times New Roman" panose="02020603050405020304" pitchFamily="18" charset="0"/>
+            </a:rPr>
             <a:t>Sequence: </a:t>
           </a:r>
           <a:r>
-            <a:rPr lang="en-US" b="1"/>
+            <a:rPr lang="en-US" sz="2400" b="1" dirty="0">
+              <a:latin typeface="Times New Roman" panose="02020603050405020304" pitchFamily="18" charset="0"/>
+              <a:cs typeface="Times New Roman" panose="02020603050405020304" pitchFamily="18" charset="0"/>
+            </a:rPr>
             <a:t>TTCACTACTCTCA</a:t>
           </a:r>
-          <a:endParaRPr lang="en-US"/>
+          <a:endParaRPr lang="en-US" sz="2400" dirty="0">
+            <a:latin typeface="Times New Roman" panose="02020603050405020304" pitchFamily="18" charset="0"/>
+            <a:cs typeface="Times New Roman" panose="02020603050405020304" pitchFamily="18" charset="0"/>
+          </a:endParaRPr>
         </a:p>
       </dgm:t>
     </dgm:pt>
@@ -3066,22 +3180,31 @@
       </dgm:t>
     </dgm:pt>
     <dgm:pt modelId="{3D5F8C7D-D616-41C5-9D07-06D4B0F67B76}">
-      <dgm:prSet/>
+      <dgm:prSet custT="1"/>
       <dgm:spPr/>
       <dgm:t>
         <a:bodyPr/>
         <a:lstStyle/>
         <a:p>
           <a:r>
-            <a:rPr lang="en-US" dirty="0"/>
+            <a:rPr lang="en-US" sz="2400" dirty="0">
+              <a:latin typeface="Times New Roman" panose="02020603050405020304" pitchFamily="18" charset="0"/>
+              <a:cs typeface="Times New Roman" panose="02020603050405020304" pitchFamily="18" charset="0"/>
+            </a:rPr>
             <a:t>Execution time [</a:t>
           </a:r>
           <a:r>
-            <a:rPr lang="en-US" i="1" dirty="0"/>
+            <a:rPr lang="en-US" sz="2400" i="1" dirty="0">
+              <a:latin typeface="Times New Roman" panose="02020603050405020304" pitchFamily="18" charset="0"/>
+              <a:cs typeface="Times New Roman" panose="02020603050405020304" pitchFamily="18" charset="0"/>
+            </a:rPr>
             <a:t>s</a:t>
           </a:r>
           <a:r>
-            <a:rPr lang="en-US" dirty="0"/>
+            <a:rPr lang="en-US" sz="2400" dirty="0">
+              <a:latin typeface="Times New Roman" panose="02020603050405020304" pitchFamily="18" charset="0"/>
+              <a:cs typeface="Times New Roman" panose="02020603050405020304" pitchFamily="18" charset="0"/>
+            </a:rPr>
             <a:t>]: 0.0</a:t>
           </a:r>
         </a:p>
@@ -3110,22 +3233,31 @@
       </dgm:t>
     </dgm:pt>
     <dgm:pt modelId="{A041AD4D-8BF7-4800-A7D3-96503B16A123}">
-      <dgm:prSet/>
+      <dgm:prSet custT="1"/>
       <dgm:spPr/>
       <dgm:t>
         <a:bodyPr/>
         <a:lstStyle/>
         <a:p>
           <a:r>
-            <a:rPr lang="en-US" dirty="0"/>
+            <a:rPr lang="en-US" sz="2400" dirty="0">
+              <a:latin typeface="Times New Roman" panose="02020603050405020304" pitchFamily="18" charset="0"/>
+              <a:cs typeface="Times New Roman" panose="02020603050405020304" pitchFamily="18" charset="0"/>
+            </a:rPr>
             <a:t>Memory usage [</a:t>
           </a:r>
           <a:r>
-            <a:rPr lang="en-US" i="1" dirty="0"/>
+            <a:rPr lang="en-US" sz="2400" i="1" dirty="0">
+              <a:latin typeface="Times New Roman" panose="02020603050405020304" pitchFamily="18" charset="0"/>
+              <a:cs typeface="Times New Roman" panose="02020603050405020304" pitchFamily="18" charset="0"/>
+            </a:rPr>
             <a:t>MB</a:t>
           </a:r>
           <a:r>
-            <a:rPr lang="en-US" dirty="0"/>
+            <a:rPr lang="en-US" sz="2400" dirty="0">
+              <a:latin typeface="Times New Roman" panose="02020603050405020304" pitchFamily="18" charset="0"/>
+              <a:cs typeface="Times New Roman" panose="02020603050405020304" pitchFamily="18" charset="0"/>
+            </a:rPr>
             <a:t>]: 186.42</a:t>
           </a:r>
         </a:p>
@@ -3279,14 +3411,17 @@
       </dgm:t>
     </dgm:pt>
     <dgm:pt modelId="{3A0B867C-DE26-4277-BD95-4194AE98DD69}">
-      <dgm:prSet/>
+      <dgm:prSet custT="1"/>
       <dgm:spPr/>
       <dgm:t>
         <a:bodyPr/>
         <a:lstStyle/>
         <a:p>
           <a:r>
-            <a:rPr lang="en-US"/>
+            <a:rPr lang="en-US" sz="2800" dirty="0">
+              <a:latin typeface="Times New Roman" panose="02020603050405020304" pitchFamily="18" charset="0"/>
+              <a:cs typeface="Times New Roman" panose="02020603050405020304" pitchFamily="18" charset="0"/>
+            </a:rPr>
             <a:t>Original code performance</a:t>
           </a:r>
         </a:p>
@@ -3315,21 +3450,30 @@
       </dgm:t>
     </dgm:pt>
     <dgm:pt modelId="{AEC79984-CB5A-49D9-90D6-65EEBF8B2222}">
-      <dgm:prSet/>
+      <dgm:prSet custT="1"/>
       <dgm:spPr/>
       <dgm:t>
         <a:bodyPr/>
         <a:lstStyle/>
         <a:p>
           <a:r>
-            <a:rPr lang="en-US" dirty="0"/>
+            <a:rPr lang="en-US" sz="2400" dirty="0">
+              <a:latin typeface="Times New Roman" panose="02020603050405020304" pitchFamily="18" charset="0"/>
+              <a:cs typeface="Times New Roman" panose="02020603050405020304" pitchFamily="18" charset="0"/>
+            </a:rPr>
             <a:t>Sequence: </a:t>
           </a:r>
           <a:r>
-            <a:rPr lang="en-US" b="1" dirty="0"/>
+            <a:rPr lang="en-US" sz="2400" b="1" dirty="0">
+              <a:latin typeface="Times New Roman" panose="02020603050405020304" pitchFamily="18" charset="0"/>
+              <a:cs typeface="Times New Roman" panose="02020603050405020304" pitchFamily="18" charset="0"/>
+            </a:rPr>
             <a:t>ATGATG</a:t>
           </a:r>
-          <a:endParaRPr lang="en-US" dirty="0"/>
+          <a:endParaRPr lang="en-US" sz="2400" dirty="0">
+            <a:latin typeface="Times New Roman" panose="02020603050405020304" pitchFamily="18" charset="0"/>
+            <a:cs typeface="Times New Roman" panose="02020603050405020304" pitchFamily="18" charset="0"/>
+          </a:endParaRPr>
         </a:p>
       </dgm:t>
     </dgm:pt>
@@ -3356,22 +3500,31 @@
       </dgm:t>
     </dgm:pt>
     <dgm:pt modelId="{BD424AD6-6B2A-46A0-A213-7C281E998D83}">
-      <dgm:prSet/>
+      <dgm:prSet custT="1"/>
       <dgm:spPr/>
       <dgm:t>
         <a:bodyPr/>
         <a:lstStyle/>
         <a:p>
           <a:r>
-            <a:rPr lang="en-US" dirty="0"/>
+            <a:rPr lang="en-US" sz="2400" dirty="0">
+              <a:latin typeface="Times New Roman" panose="02020603050405020304" pitchFamily="18" charset="0"/>
+              <a:cs typeface="Times New Roman" panose="02020603050405020304" pitchFamily="18" charset="0"/>
+            </a:rPr>
             <a:t>Execution time [</a:t>
           </a:r>
           <a:r>
-            <a:rPr lang="en-US" i="1" dirty="0"/>
+            <a:rPr lang="en-US" sz="2400" i="1" dirty="0">
+              <a:latin typeface="Times New Roman" panose="02020603050405020304" pitchFamily="18" charset="0"/>
+              <a:cs typeface="Times New Roman" panose="02020603050405020304" pitchFamily="18" charset="0"/>
+            </a:rPr>
             <a:t>s</a:t>
           </a:r>
           <a:r>
-            <a:rPr lang="en-US" dirty="0"/>
+            <a:rPr lang="en-US" sz="2400" dirty="0">
+              <a:latin typeface="Times New Roman" panose="02020603050405020304" pitchFamily="18" charset="0"/>
+              <a:cs typeface="Times New Roman" panose="02020603050405020304" pitchFamily="18" charset="0"/>
+            </a:rPr>
             <a:t>]: 5.328</a:t>
           </a:r>
         </a:p>
@@ -3400,21 +3553,30 @@
       </dgm:t>
     </dgm:pt>
     <dgm:pt modelId="{A1B11C0B-DF06-4C7B-88FE-4E5CAB3D2288}">
-      <dgm:prSet/>
+      <dgm:prSet custT="1"/>
       <dgm:spPr/>
       <dgm:t>
         <a:bodyPr/>
         <a:lstStyle/>
         <a:p>
           <a:r>
-            <a:rPr lang="en-US" dirty="0"/>
+            <a:rPr lang="en-US" sz="2400" dirty="0">
+              <a:latin typeface="Times New Roman" panose="02020603050405020304" pitchFamily="18" charset="0"/>
+              <a:cs typeface="Times New Roman" panose="02020603050405020304" pitchFamily="18" charset="0"/>
+            </a:rPr>
             <a:t>Sequence: </a:t>
           </a:r>
           <a:r>
-            <a:rPr lang="en-US" b="1" dirty="0"/>
+            <a:rPr lang="en-US" sz="2400" b="1" dirty="0">
+              <a:latin typeface="Times New Roman" panose="02020603050405020304" pitchFamily="18" charset="0"/>
+              <a:cs typeface="Times New Roman" panose="02020603050405020304" pitchFamily="18" charset="0"/>
+            </a:rPr>
             <a:t>CTCTCTA</a:t>
           </a:r>
-          <a:endParaRPr lang="en-US" dirty="0"/>
+          <a:endParaRPr lang="en-US" sz="2400" dirty="0">
+            <a:latin typeface="Times New Roman" panose="02020603050405020304" pitchFamily="18" charset="0"/>
+            <a:cs typeface="Times New Roman" panose="02020603050405020304" pitchFamily="18" charset="0"/>
+          </a:endParaRPr>
         </a:p>
       </dgm:t>
     </dgm:pt>
@@ -3441,22 +3603,31 @@
       </dgm:t>
     </dgm:pt>
     <dgm:pt modelId="{6BC6E61D-6328-43D0-B693-9AF050423888}">
-      <dgm:prSet/>
+      <dgm:prSet custT="1"/>
       <dgm:spPr/>
       <dgm:t>
         <a:bodyPr/>
         <a:lstStyle/>
         <a:p>
           <a:r>
-            <a:rPr lang="en-US" dirty="0"/>
+            <a:rPr lang="en-US" sz="2400" dirty="0">
+              <a:latin typeface="Times New Roman" panose="02020603050405020304" pitchFamily="18" charset="0"/>
+              <a:cs typeface="Times New Roman" panose="02020603050405020304" pitchFamily="18" charset="0"/>
+            </a:rPr>
             <a:t>Execution time [</a:t>
           </a:r>
           <a:r>
-            <a:rPr lang="en-US" i="1" dirty="0"/>
+            <a:rPr lang="en-US" sz="2400" i="1" dirty="0">
+              <a:latin typeface="Times New Roman" panose="02020603050405020304" pitchFamily="18" charset="0"/>
+              <a:cs typeface="Times New Roman" panose="02020603050405020304" pitchFamily="18" charset="0"/>
+            </a:rPr>
             <a:t>s</a:t>
           </a:r>
           <a:r>
-            <a:rPr lang="en-US" dirty="0"/>
+            <a:rPr lang="en-US" sz="2400" dirty="0">
+              <a:latin typeface="Times New Roman" panose="02020603050405020304" pitchFamily="18" charset="0"/>
+              <a:cs typeface="Times New Roman" panose="02020603050405020304" pitchFamily="18" charset="0"/>
+            </a:rPr>
             <a:t>]: 15.203</a:t>
           </a:r>
         </a:p>
@@ -3485,21 +3656,30 @@
       </dgm:t>
     </dgm:pt>
     <dgm:pt modelId="{E16A6A35-C9C2-4B55-8A52-0893D68B72C5}">
-      <dgm:prSet/>
+      <dgm:prSet custT="1"/>
       <dgm:spPr/>
       <dgm:t>
         <a:bodyPr/>
         <a:lstStyle/>
         <a:p>
           <a:r>
-            <a:rPr lang="en-US" dirty="0"/>
+            <a:rPr lang="en-US" sz="2400" dirty="0">
+              <a:latin typeface="Times New Roman" panose="02020603050405020304" pitchFamily="18" charset="0"/>
+              <a:cs typeface="Times New Roman" panose="02020603050405020304" pitchFamily="18" charset="0"/>
+            </a:rPr>
             <a:t>Sequence: </a:t>
           </a:r>
           <a:r>
-            <a:rPr lang="en-US" b="1" dirty="0"/>
+            <a:rPr lang="en-US" sz="2400" b="1" dirty="0">
+              <a:latin typeface="Times New Roman" panose="02020603050405020304" pitchFamily="18" charset="0"/>
+              <a:cs typeface="Times New Roman" panose="02020603050405020304" pitchFamily="18" charset="0"/>
+            </a:rPr>
             <a:t>TCACTACTCTCA</a:t>
           </a:r>
-          <a:endParaRPr lang="en-US" dirty="0"/>
+          <a:endParaRPr lang="en-US" sz="2400" dirty="0">
+            <a:latin typeface="Times New Roman" panose="02020603050405020304" pitchFamily="18" charset="0"/>
+            <a:cs typeface="Times New Roman" panose="02020603050405020304" pitchFamily="18" charset="0"/>
+          </a:endParaRPr>
         </a:p>
       </dgm:t>
     </dgm:pt>
@@ -3526,22 +3706,31 @@
       </dgm:t>
     </dgm:pt>
     <dgm:pt modelId="{15E50676-0893-41C7-9C94-EB6A27D69F6A}">
-      <dgm:prSet/>
+      <dgm:prSet custT="1"/>
       <dgm:spPr/>
       <dgm:t>
         <a:bodyPr/>
         <a:lstStyle/>
         <a:p>
           <a:r>
-            <a:rPr lang="en-US" dirty="0"/>
+            <a:rPr lang="en-US" sz="2400" dirty="0">
+              <a:latin typeface="Times New Roman" panose="02020603050405020304" pitchFamily="18" charset="0"/>
+              <a:cs typeface="Times New Roman" panose="02020603050405020304" pitchFamily="18" charset="0"/>
+            </a:rPr>
             <a:t>Execution time [</a:t>
           </a:r>
           <a:r>
-            <a:rPr lang="en-US" i="1" dirty="0"/>
+            <a:rPr lang="en-US" sz="2400" i="1" dirty="0">
+              <a:latin typeface="Times New Roman" panose="02020603050405020304" pitchFamily="18" charset="0"/>
+              <a:cs typeface="Times New Roman" panose="02020603050405020304" pitchFamily="18" charset="0"/>
+            </a:rPr>
             <a:t>s</a:t>
           </a:r>
           <a:r>
-            <a:rPr lang="en-US" dirty="0"/>
+            <a:rPr lang="en-US" sz="2400" dirty="0">
+              <a:latin typeface="Times New Roman" panose="02020603050405020304" pitchFamily="18" charset="0"/>
+              <a:cs typeface="Times New Roman" panose="02020603050405020304" pitchFamily="18" charset="0"/>
+            </a:rPr>
             <a:t>]: 10.8</a:t>
           </a:r>
         </a:p>
@@ -3570,22 +3759,31 @@
       </dgm:t>
     </dgm:pt>
     <dgm:pt modelId="{B46EA63F-D1F8-41B6-9CF4-3F4B82257878}">
-      <dgm:prSet/>
+      <dgm:prSet custT="1"/>
       <dgm:spPr/>
       <dgm:t>
         <a:bodyPr/>
         <a:lstStyle/>
         <a:p>
           <a:r>
-            <a:rPr lang="en-US" dirty="0"/>
+            <a:rPr lang="en-US" sz="2400" dirty="0">
+              <a:latin typeface="Times New Roman" panose="02020603050405020304" pitchFamily="18" charset="0"/>
+              <a:cs typeface="Times New Roman" panose="02020603050405020304" pitchFamily="18" charset="0"/>
+            </a:rPr>
             <a:t>Memory usage [</a:t>
           </a:r>
           <a:r>
-            <a:rPr lang="en-US" i="1" dirty="0"/>
+            <a:rPr lang="en-US" sz="2400" i="1" dirty="0">
+              <a:latin typeface="Times New Roman" panose="02020603050405020304" pitchFamily="18" charset="0"/>
+              <a:cs typeface="Times New Roman" panose="02020603050405020304" pitchFamily="18" charset="0"/>
+            </a:rPr>
             <a:t>MB</a:t>
           </a:r>
           <a:r>
-            <a:rPr lang="en-US" dirty="0"/>
+            <a:rPr lang="en-US" sz="2400" dirty="0">
+              <a:latin typeface="Times New Roman" panose="02020603050405020304" pitchFamily="18" charset="0"/>
+              <a:cs typeface="Times New Roman" panose="02020603050405020304" pitchFamily="18" charset="0"/>
+            </a:rPr>
             <a:t>]: 5685.00</a:t>
           </a:r>
         </a:p>
@@ -3614,14 +3812,17 @@
       </dgm:t>
     </dgm:pt>
     <dgm:pt modelId="{5DF2C75F-883A-4496-AD8C-ED5790273077}">
-      <dgm:prSet/>
+      <dgm:prSet custT="1"/>
       <dgm:spPr/>
       <dgm:t>
         <a:bodyPr/>
         <a:lstStyle/>
         <a:p>
           <a:r>
-            <a:rPr lang="en-US"/>
+            <a:rPr lang="en-US" sz="2800" dirty="0">
+              <a:latin typeface="Times New Roman" panose="02020603050405020304" pitchFamily="18" charset="0"/>
+              <a:cs typeface="Times New Roman" panose="02020603050405020304" pitchFamily="18" charset="0"/>
+            </a:rPr>
             <a:t>Optimized code performance</a:t>
           </a:r>
         </a:p>
@@ -3650,21 +3851,30 @@
       </dgm:t>
     </dgm:pt>
     <dgm:pt modelId="{80AE3B0F-23ED-4960-B140-B5B48E3D6DB6}">
-      <dgm:prSet/>
+      <dgm:prSet custT="1"/>
       <dgm:spPr/>
       <dgm:t>
         <a:bodyPr/>
         <a:lstStyle/>
         <a:p>
           <a:r>
-            <a:rPr lang="en-US" dirty="0"/>
+            <a:rPr lang="en-US" sz="2400" dirty="0">
+              <a:latin typeface="Times New Roman" panose="02020603050405020304" pitchFamily="18" charset="0"/>
+              <a:cs typeface="Times New Roman" panose="02020603050405020304" pitchFamily="18" charset="0"/>
+            </a:rPr>
             <a:t>Sequence: </a:t>
           </a:r>
           <a:r>
-            <a:rPr lang="en-US" b="1" dirty="0"/>
+            <a:rPr lang="en-US" sz="2400" b="1" dirty="0">
+              <a:latin typeface="Times New Roman" panose="02020603050405020304" pitchFamily="18" charset="0"/>
+              <a:cs typeface="Times New Roman" panose="02020603050405020304" pitchFamily="18" charset="0"/>
+            </a:rPr>
             <a:t>ATGATG</a:t>
           </a:r>
-          <a:endParaRPr lang="en-US" dirty="0"/>
+          <a:endParaRPr lang="en-US" sz="2400" dirty="0">
+            <a:latin typeface="Times New Roman" panose="02020603050405020304" pitchFamily="18" charset="0"/>
+            <a:cs typeface="Times New Roman" panose="02020603050405020304" pitchFamily="18" charset="0"/>
+          </a:endParaRPr>
         </a:p>
       </dgm:t>
     </dgm:pt>
@@ -3691,22 +3901,31 @@
       </dgm:t>
     </dgm:pt>
     <dgm:pt modelId="{A756062B-06E2-4831-8CD5-B8BED0547E6B}">
-      <dgm:prSet/>
+      <dgm:prSet custT="1"/>
       <dgm:spPr/>
       <dgm:t>
         <a:bodyPr/>
         <a:lstStyle/>
         <a:p>
           <a:r>
-            <a:rPr lang="en-US" dirty="0"/>
+            <a:rPr lang="en-US" sz="2400" dirty="0">
+              <a:latin typeface="Times New Roman" panose="02020603050405020304" pitchFamily="18" charset="0"/>
+              <a:cs typeface="Times New Roman" panose="02020603050405020304" pitchFamily="18" charset="0"/>
+            </a:rPr>
             <a:t>Execution time [</a:t>
           </a:r>
           <a:r>
-            <a:rPr lang="en-US" i="1" dirty="0"/>
+            <a:rPr lang="en-US" sz="2400" i="1" dirty="0">
+              <a:latin typeface="Times New Roman" panose="02020603050405020304" pitchFamily="18" charset="0"/>
+              <a:cs typeface="Times New Roman" panose="02020603050405020304" pitchFamily="18" charset="0"/>
+            </a:rPr>
             <a:t>s</a:t>
           </a:r>
           <a:r>
-            <a:rPr lang="en-US" dirty="0"/>
+            <a:rPr lang="en-US" sz="2400" dirty="0">
+              <a:latin typeface="Times New Roman" panose="02020603050405020304" pitchFamily="18" charset="0"/>
+              <a:cs typeface="Times New Roman" panose="02020603050405020304" pitchFamily="18" charset="0"/>
+            </a:rPr>
             <a:t>]: 4.203</a:t>
           </a:r>
         </a:p>
@@ -3735,21 +3954,30 @@
       </dgm:t>
     </dgm:pt>
     <dgm:pt modelId="{16B75BFE-0E97-4E5A-A5F7-5F902C100099}">
-      <dgm:prSet/>
+      <dgm:prSet custT="1"/>
       <dgm:spPr/>
       <dgm:t>
         <a:bodyPr/>
         <a:lstStyle/>
         <a:p>
           <a:r>
-            <a:rPr lang="en-US" dirty="0"/>
+            <a:rPr lang="en-US" sz="2400" dirty="0">
+              <a:latin typeface="Times New Roman" panose="02020603050405020304" pitchFamily="18" charset="0"/>
+              <a:cs typeface="Times New Roman" panose="02020603050405020304" pitchFamily="18" charset="0"/>
+            </a:rPr>
             <a:t>Sequence: </a:t>
           </a:r>
           <a:r>
-            <a:rPr lang="en-US" b="1" dirty="0"/>
+            <a:rPr lang="en-US" sz="2400" b="1" dirty="0">
+              <a:latin typeface="Times New Roman" panose="02020603050405020304" pitchFamily="18" charset="0"/>
+              <a:cs typeface="Times New Roman" panose="02020603050405020304" pitchFamily="18" charset="0"/>
+            </a:rPr>
             <a:t>CTCTCTA</a:t>
           </a:r>
-          <a:endParaRPr lang="en-US" dirty="0"/>
+          <a:endParaRPr lang="en-US" sz="2400" dirty="0">
+            <a:latin typeface="Times New Roman" panose="02020603050405020304" pitchFamily="18" charset="0"/>
+            <a:cs typeface="Times New Roman" panose="02020603050405020304" pitchFamily="18" charset="0"/>
+          </a:endParaRPr>
         </a:p>
       </dgm:t>
     </dgm:pt>
@@ -3776,22 +4004,31 @@
       </dgm:t>
     </dgm:pt>
     <dgm:pt modelId="{FAAE5B2A-EDD1-4883-B86E-6C2F710AD7EA}">
-      <dgm:prSet/>
+      <dgm:prSet custT="1"/>
       <dgm:spPr/>
       <dgm:t>
         <a:bodyPr/>
         <a:lstStyle/>
         <a:p>
           <a:r>
-            <a:rPr lang="en-US" dirty="0"/>
+            <a:rPr lang="en-US" sz="2400" dirty="0">
+              <a:latin typeface="Times New Roman" panose="02020603050405020304" pitchFamily="18" charset="0"/>
+              <a:cs typeface="Times New Roman" panose="02020603050405020304" pitchFamily="18" charset="0"/>
+            </a:rPr>
             <a:t>Execution time [</a:t>
           </a:r>
           <a:r>
-            <a:rPr lang="en-US" i="1" dirty="0"/>
+            <a:rPr lang="en-US" sz="2400" i="1" dirty="0">
+              <a:latin typeface="Times New Roman" panose="02020603050405020304" pitchFamily="18" charset="0"/>
+              <a:cs typeface="Times New Roman" panose="02020603050405020304" pitchFamily="18" charset="0"/>
+            </a:rPr>
             <a:t>s</a:t>
           </a:r>
           <a:r>
-            <a:rPr lang="en-US" dirty="0"/>
+            <a:rPr lang="en-US" sz="2400" dirty="0">
+              <a:latin typeface="Times New Roman" panose="02020603050405020304" pitchFamily="18" charset="0"/>
+              <a:cs typeface="Times New Roman" panose="02020603050405020304" pitchFamily="18" charset="0"/>
+            </a:rPr>
             <a:t>]: 3.969</a:t>
           </a:r>
         </a:p>
@@ -3820,21 +4057,30 @@
       </dgm:t>
     </dgm:pt>
     <dgm:pt modelId="{E495105C-F95E-4186-BC65-1EEDEBE23275}">
-      <dgm:prSet/>
+      <dgm:prSet custT="1"/>
       <dgm:spPr/>
       <dgm:t>
         <a:bodyPr/>
         <a:lstStyle/>
         <a:p>
           <a:r>
-            <a:rPr lang="en-US" dirty="0"/>
+            <a:rPr lang="en-US" sz="2400" dirty="0">
+              <a:latin typeface="Times New Roman" panose="02020603050405020304" pitchFamily="18" charset="0"/>
+              <a:cs typeface="Times New Roman" panose="02020603050405020304" pitchFamily="18" charset="0"/>
+            </a:rPr>
             <a:t>Sequence: </a:t>
           </a:r>
           <a:r>
-            <a:rPr lang="en-US" b="1" dirty="0"/>
+            <a:rPr lang="en-US" sz="2400" b="1" dirty="0">
+              <a:latin typeface="Times New Roman" panose="02020603050405020304" pitchFamily="18" charset="0"/>
+              <a:cs typeface="Times New Roman" panose="02020603050405020304" pitchFamily="18" charset="0"/>
+            </a:rPr>
             <a:t>TCACTACTCTCA</a:t>
           </a:r>
-          <a:endParaRPr lang="en-US" dirty="0"/>
+          <a:endParaRPr lang="en-US" sz="2400" dirty="0">
+            <a:latin typeface="Times New Roman" panose="02020603050405020304" pitchFamily="18" charset="0"/>
+            <a:cs typeface="Times New Roman" panose="02020603050405020304" pitchFamily="18" charset="0"/>
+          </a:endParaRPr>
         </a:p>
       </dgm:t>
     </dgm:pt>
@@ -3861,22 +4107,31 @@
       </dgm:t>
     </dgm:pt>
     <dgm:pt modelId="{3D5F8C7D-D616-41C5-9D07-06D4B0F67B76}">
-      <dgm:prSet/>
+      <dgm:prSet custT="1"/>
       <dgm:spPr/>
       <dgm:t>
         <a:bodyPr/>
         <a:lstStyle/>
         <a:p>
           <a:r>
-            <a:rPr lang="en-US" dirty="0"/>
+            <a:rPr lang="en-US" sz="2400" dirty="0">
+              <a:latin typeface="Times New Roman" panose="02020603050405020304" pitchFamily="18" charset="0"/>
+              <a:cs typeface="Times New Roman" panose="02020603050405020304" pitchFamily="18" charset="0"/>
+            </a:rPr>
             <a:t>Execution time [</a:t>
           </a:r>
           <a:r>
-            <a:rPr lang="en-US" i="1" dirty="0"/>
+            <a:rPr lang="en-US" sz="2400" i="1" dirty="0">
+              <a:latin typeface="Times New Roman" panose="02020603050405020304" pitchFamily="18" charset="0"/>
+              <a:cs typeface="Times New Roman" panose="02020603050405020304" pitchFamily="18" charset="0"/>
+            </a:rPr>
             <a:t>s</a:t>
           </a:r>
           <a:r>
-            <a:rPr lang="en-US" dirty="0"/>
+            <a:rPr lang="en-US" sz="2400" dirty="0">
+              <a:latin typeface="Times New Roman" panose="02020603050405020304" pitchFamily="18" charset="0"/>
+              <a:cs typeface="Times New Roman" panose="02020603050405020304" pitchFamily="18" charset="0"/>
+            </a:rPr>
             <a:t>]: 0.0</a:t>
           </a:r>
         </a:p>
@@ -3905,22 +4160,31 @@
       </dgm:t>
     </dgm:pt>
     <dgm:pt modelId="{A041AD4D-8BF7-4800-A7D3-96503B16A123}">
-      <dgm:prSet/>
+      <dgm:prSet custT="1"/>
       <dgm:spPr/>
       <dgm:t>
         <a:bodyPr/>
         <a:lstStyle/>
         <a:p>
           <a:r>
-            <a:rPr lang="en-US" dirty="0"/>
+            <a:rPr lang="en-US" sz="2400" dirty="0">
+              <a:latin typeface="Times New Roman" panose="02020603050405020304" pitchFamily="18" charset="0"/>
+              <a:cs typeface="Times New Roman" panose="02020603050405020304" pitchFamily="18" charset="0"/>
+            </a:rPr>
             <a:t>Memory usage [</a:t>
           </a:r>
           <a:r>
-            <a:rPr lang="en-US" i="1" dirty="0"/>
+            <a:rPr lang="en-US" sz="2400" i="1" dirty="0">
+              <a:latin typeface="Times New Roman" panose="02020603050405020304" pitchFamily="18" charset="0"/>
+              <a:cs typeface="Times New Roman" panose="02020603050405020304" pitchFamily="18" charset="0"/>
+            </a:rPr>
             <a:t>MB</a:t>
           </a:r>
           <a:r>
-            <a:rPr lang="en-US" dirty="0"/>
+            <a:rPr lang="en-US" sz="2400" dirty="0">
+              <a:latin typeface="Times New Roman" panose="02020603050405020304" pitchFamily="18" charset="0"/>
+              <a:cs typeface="Times New Roman" panose="02020603050405020304" pitchFamily="18" charset="0"/>
+            </a:rPr>
             <a:t>]: 522.26</a:t>
           </a:r>
         </a:p>
@@ -4074,14 +4338,17 @@
       </dgm:t>
     </dgm:pt>
     <dgm:pt modelId="{3A0B867C-DE26-4277-BD95-4194AE98DD69}">
-      <dgm:prSet/>
+      <dgm:prSet custT="1"/>
       <dgm:spPr/>
       <dgm:t>
         <a:bodyPr/>
         <a:lstStyle/>
         <a:p>
           <a:r>
-            <a:rPr lang="en-US"/>
+            <a:rPr lang="en-US" sz="2800" dirty="0">
+              <a:latin typeface="Times New Roman" panose="02020603050405020304" pitchFamily="18" charset="0"/>
+              <a:cs typeface="Times New Roman" panose="02020603050405020304" pitchFamily="18" charset="0"/>
+            </a:rPr>
             <a:t>Original code performance</a:t>
           </a:r>
         </a:p>
@@ -4110,21 +4377,30 @@
       </dgm:t>
     </dgm:pt>
     <dgm:pt modelId="{AEC79984-CB5A-49D9-90D6-65EEBF8B2222}">
-      <dgm:prSet/>
+      <dgm:prSet custT="1"/>
       <dgm:spPr/>
       <dgm:t>
         <a:bodyPr/>
         <a:lstStyle/>
         <a:p>
           <a:r>
-            <a:rPr lang="en-US" dirty="0"/>
+            <a:rPr lang="en-US" sz="2400" dirty="0">
+              <a:latin typeface="Times New Roman" panose="02020603050405020304" pitchFamily="18" charset="0"/>
+              <a:cs typeface="Times New Roman" panose="02020603050405020304" pitchFamily="18" charset="0"/>
+            </a:rPr>
             <a:t>Sequence: </a:t>
           </a:r>
           <a:r>
-            <a:rPr lang="en-US" b="1" dirty="0"/>
+            <a:rPr lang="en-US" sz="2400" b="1" dirty="0">
+              <a:latin typeface="Times New Roman" panose="02020603050405020304" pitchFamily="18" charset="0"/>
+              <a:cs typeface="Times New Roman" panose="02020603050405020304" pitchFamily="18" charset="0"/>
+            </a:rPr>
             <a:t>CCAAAGA</a:t>
           </a:r>
-          <a:endParaRPr lang="en-US" dirty="0"/>
+          <a:endParaRPr lang="en-US" sz="2400" dirty="0">
+            <a:latin typeface="Times New Roman" panose="02020603050405020304" pitchFamily="18" charset="0"/>
+            <a:cs typeface="Times New Roman" panose="02020603050405020304" pitchFamily="18" charset="0"/>
+          </a:endParaRPr>
         </a:p>
       </dgm:t>
     </dgm:pt>
@@ -4151,22 +4427,31 @@
       </dgm:t>
     </dgm:pt>
     <dgm:pt modelId="{BD424AD6-6B2A-46A0-A213-7C281E998D83}">
-      <dgm:prSet/>
+      <dgm:prSet custT="1"/>
       <dgm:spPr/>
       <dgm:t>
         <a:bodyPr/>
         <a:lstStyle/>
         <a:p>
           <a:r>
-            <a:rPr lang="en-US" dirty="0"/>
+            <a:rPr lang="en-US" sz="2400" dirty="0">
+              <a:latin typeface="Times New Roman" panose="02020603050405020304" pitchFamily="18" charset="0"/>
+              <a:cs typeface="Times New Roman" panose="02020603050405020304" pitchFamily="18" charset="0"/>
+            </a:rPr>
             <a:t>Execution time [</a:t>
           </a:r>
           <a:r>
-            <a:rPr lang="en-US" i="1" dirty="0"/>
+            <a:rPr lang="en-US" sz="2400" i="1" dirty="0">
+              <a:latin typeface="Times New Roman" panose="02020603050405020304" pitchFamily="18" charset="0"/>
+              <a:cs typeface="Times New Roman" panose="02020603050405020304" pitchFamily="18" charset="0"/>
+            </a:rPr>
             <a:t>s</a:t>
           </a:r>
           <a:r>
-            <a:rPr lang="en-US" dirty="0"/>
+            <a:rPr lang="en-US" sz="2400" dirty="0">
+              <a:latin typeface="Times New Roman" panose="02020603050405020304" pitchFamily="18" charset="0"/>
+              <a:cs typeface="Times New Roman" panose="02020603050405020304" pitchFamily="18" charset="0"/>
+            </a:rPr>
             <a:t>]: 1.234</a:t>
           </a:r>
         </a:p>
@@ -4195,21 +4480,30 @@
       </dgm:t>
     </dgm:pt>
     <dgm:pt modelId="{A1B11C0B-DF06-4C7B-88FE-4E5CAB3D2288}">
-      <dgm:prSet/>
+      <dgm:prSet custT="1"/>
       <dgm:spPr/>
       <dgm:t>
         <a:bodyPr/>
         <a:lstStyle/>
         <a:p>
           <a:r>
-            <a:rPr lang="en-US" dirty="0"/>
+            <a:rPr lang="en-US" sz="2400" dirty="0">
+              <a:latin typeface="Times New Roman" panose="02020603050405020304" pitchFamily="18" charset="0"/>
+              <a:cs typeface="Times New Roman" panose="02020603050405020304" pitchFamily="18" charset="0"/>
+            </a:rPr>
             <a:t>Sequence: </a:t>
           </a:r>
           <a:r>
-            <a:rPr lang="en-US" b="1" dirty="0"/>
+            <a:rPr lang="en-US" sz="2400" b="1" dirty="0">
+              <a:latin typeface="Times New Roman" panose="02020603050405020304" pitchFamily="18" charset="0"/>
+              <a:cs typeface="Times New Roman" panose="02020603050405020304" pitchFamily="18" charset="0"/>
+            </a:rPr>
             <a:t>TACATTT</a:t>
           </a:r>
-          <a:endParaRPr lang="en-US" dirty="0"/>
+          <a:endParaRPr lang="en-US" sz="2400" dirty="0">
+            <a:latin typeface="Times New Roman" panose="02020603050405020304" pitchFamily="18" charset="0"/>
+            <a:cs typeface="Times New Roman" panose="02020603050405020304" pitchFamily="18" charset="0"/>
+          </a:endParaRPr>
         </a:p>
       </dgm:t>
     </dgm:pt>
@@ -4236,22 +4530,31 @@
       </dgm:t>
     </dgm:pt>
     <dgm:pt modelId="{6BC6E61D-6328-43D0-B693-9AF050423888}">
-      <dgm:prSet/>
+      <dgm:prSet custT="1"/>
       <dgm:spPr/>
       <dgm:t>
         <a:bodyPr/>
         <a:lstStyle/>
         <a:p>
           <a:r>
-            <a:rPr lang="en-US" dirty="0"/>
+            <a:rPr lang="en-US" sz="2400" dirty="0">
+              <a:latin typeface="Times New Roman" panose="02020603050405020304" pitchFamily="18" charset="0"/>
+              <a:cs typeface="Times New Roman" panose="02020603050405020304" pitchFamily="18" charset="0"/>
+            </a:rPr>
             <a:t>Execution time [</a:t>
           </a:r>
           <a:r>
-            <a:rPr lang="en-US" i="1" dirty="0"/>
+            <a:rPr lang="en-US" sz="2400" i="1" dirty="0">
+              <a:latin typeface="Times New Roman" panose="02020603050405020304" pitchFamily="18" charset="0"/>
+              <a:cs typeface="Times New Roman" panose="02020603050405020304" pitchFamily="18" charset="0"/>
+            </a:rPr>
             <a:t>s</a:t>
           </a:r>
           <a:r>
-            <a:rPr lang="en-US" dirty="0"/>
+            <a:rPr lang="en-US" sz="2400" dirty="0">
+              <a:latin typeface="Times New Roman" panose="02020603050405020304" pitchFamily="18" charset="0"/>
+              <a:cs typeface="Times New Roman" panose="02020603050405020304" pitchFamily="18" charset="0"/>
+            </a:rPr>
             <a:t>]: 1.406</a:t>
           </a:r>
         </a:p>
@@ -4280,21 +4583,30 @@
       </dgm:t>
     </dgm:pt>
     <dgm:pt modelId="{E16A6A35-C9C2-4B55-8A52-0893D68B72C5}">
-      <dgm:prSet/>
+      <dgm:prSet custT="1"/>
       <dgm:spPr/>
       <dgm:t>
         <a:bodyPr/>
         <a:lstStyle/>
         <a:p>
           <a:r>
-            <a:rPr lang="en-US" dirty="0"/>
+            <a:rPr lang="en-US" sz="2400" dirty="0">
+              <a:latin typeface="Times New Roman" panose="02020603050405020304" pitchFamily="18" charset="0"/>
+              <a:cs typeface="Times New Roman" panose="02020603050405020304" pitchFamily="18" charset="0"/>
+            </a:rPr>
             <a:t>Sequence: </a:t>
           </a:r>
           <a:r>
-            <a:rPr lang="en-US" b="1" dirty="0"/>
+            <a:rPr lang="en-US" sz="2400" b="1" dirty="0">
+              <a:latin typeface="Times New Roman" panose="02020603050405020304" pitchFamily="18" charset="0"/>
+              <a:cs typeface="Times New Roman" panose="02020603050405020304" pitchFamily="18" charset="0"/>
+            </a:rPr>
             <a:t>AGGAAAAAT</a:t>
           </a:r>
-          <a:endParaRPr lang="en-US" dirty="0"/>
+          <a:endParaRPr lang="en-US" sz="2400" dirty="0">
+            <a:latin typeface="Times New Roman" panose="02020603050405020304" pitchFamily="18" charset="0"/>
+            <a:cs typeface="Times New Roman" panose="02020603050405020304" pitchFamily="18" charset="0"/>
+          </a:endParaRPr>
         </a:p>
       </dgm:t>
     </dgm:pt>
@@ -4321,22 +4633,31 @@
       </dgm:t>
     </dgm:pt>
     <dgm:pt modelId="{15E50676-0893-41C7-9C94-EB6A27D69F6A}">
-      <dgm:prSet/>
+      <dgm:prSet custT="1"/>
       <dgm:spPr/>
       <dgm:t>
         <a:bodyPr/>
         <a:lstStyle/>
         <a:p>
           <a:r>
-            <a:rPr lang="en-US" dirty="0"/>
+            <a:rPr lang="en-US" sz="2400" dirty="0">
+              <a:latin typeface="Times New Roman" panose="02020603050405020304" pitchFamily="18" charset="0"/>
+              <a:cs typeface="Times New Roman" panose="02020603050405020304" pitchFamily="18" charset="0"/>
+            </a:rPr>
             <a:t>Execution time [</a:t>
           </a:r>
           <a:r>
-            <a:rPr lang="en-US" i="1" dirty="0"/>
+            <a:rPr lang="en-US" sz="2400" i="1" dirty="0">
+              <a:latin typeface="Times New Roman" panose="02020603050405020304" pitchFamily="18" charset="0"/>
+              <a:cs typeface="Times New Roman" panose="02020603050405020304" pitchFamily="18" charset="0"/>
+            </a:rPr>
             <a:t>s</a:t>
           </a:r>
           <a:r>
-            <a:rPr lang="en-US" dirty="0"/>
+            <a:rPr lang="en-US" sz="2400" dirty="0">
+              <a:latin typeface="Times New Roman" panose="02020603050405020304" pitchFamily="18" charset="0"/>
+              <a:cs typeface="Times New Roman" panose="02020603050405020304" pitchFamily="18" charset="0"/>
+            </a:rPr>
             <a:t>]: 1.156</a:t>
           </a:r>
         </a:p>
@@ -4365,22 +4686,31 @@
       </dgm:t>
     </dgm:pt>
     <dgm:pt modelId="{B46EA63F-D1F8-41B6-9CF4-3F4B82257878}">
-      <dgm:prSet/>
+      <dgm:prSet custT="1"/>
       <dgm:spPr/>
       <dgm:t>
         <a:bodyPr/>
         <a:lstStyle/>
         <a:p>
           <a:r>
-            <a:rPr lang="en-US" dirty="0"/>
+            <a:rPr lang="en-US" sz="2400" dirty="0">
+              <a:latin typeface="Times New Roman" panose="02020603050405020304" pitchFamily="18" charset="0"/>
+              <a:cs typeface="Times New Roman" panose="02020603050405020304" pitchFamily="18" charset="0"/>
+            </a:rPr>
             <a:t>Memory usage [</a:t>
           </a:r>
           <a:r>
-            <a:rPr lang="en-US" i="1" dirty="0"/>
+            <a:rPr lang="en-US" sz="2400" i="1" dirty="0">
+              <a:latin typeface="Times New Roman" panose="02020603050405020304" pitchFamily="18" charset="0"/>
+              <a:cs typeface="Times New Roman" panose="02020603050405020304" pitchFamily="18" charset="0"/>
+            </a:rPr>
             <a:t>MB</a:t>
           </a:r>
           <a:r>
-            <a:rPr lang="en-US" dirty="0"/>
+            <a:rPr lang="en-US" sz="2400" dirty="0">
+              <a:latin typeface="Times New Roman" panose="02020603050405020304" pitchFamily="18" charset="0"/>
+              <a:cs typeface="Times New Roman" panose="02020603050405020304" pitchFamily="18" charset="0"/>
+            </a:rPr>
             <a:t>]: 2947.47</a:t>
           </a:r>
         </a:p>
@@ -4409,14 +4739,17 @@
       </dgm:t>
     </dgm:pt>
     <dgm:pt modelId="{5DF2C75F-883A-4496-AD8C-ED5790273077}">
-      <dgm:prSet/>
+      <dgm:prSet custT="1"/>
       <dgm:spPr/>
       <dgm:t>
         <a:bodyPr/>
         <a:lstStyle/>
         <a:p>
           <a:r>
-            <a:rPr lang="en-US"/>
+            <a:rPr lang="en-US" sz="2800" dirty="0">
+              <a:latin typeface="Times New Roman" panose="02020603050405020304" pitchFamily="18" charset="0"/>
+              <a:cs typeface="Times New Roman" panose="02020603050405020304" pitchFamily="18" charset="0"/>
+            </a:rPr>
             <a:t>Optimized code performance</a:t>
           </a:r>
         </a:p>
@@ -4445,21 +4778,30 @@
       </dgm:t>
     </dgm:pt>
     <dgm:pt modelId="{80AE3B0F-23ED-4960-B140-B5B48E3D6DB6}">
-      <dgm:prSet/>
+      <dgm:prSet custT="1"/>
       <dgm:spPr/>
       <dgm:t>
         <a:bodyPr/>
         <a:lstStyle/>
         <a:p>
           <a:r>
-            <a:rPr lang="en-US" dirty="0"/>
+            <a:rPr lang="en-US" sz="2400" dirty="0">
+              <a:latin typeface="Times New Roman" panose="02020603050405020304" pitchFamily="18" charset="0"/>
+              <a:cs typeface="Times New Roman" panose="02020603050405020304" pitchFamily="18" charset="0"/>
+            </a:rPr>
             <a:t>Sequence: </a:t>
           </a:r>
           <a:r>
-            <a:rPr lang="en-US" b="1" dirty="0"/>
+            <a:rPr lang="en-US" sz="2400" b="1" dirty="0">
+              <a:latin typeface="Times New Roman" panose="02020603050405020304" pitchFamily="18" charset="0"/>
+              <a:cs typeface="Times New Roman" panose="02020603050405020304" pitchFamily="18" charset="0"/>
+            </a:rPr>
             <a:t>CCAAAGA</a:t>
           </a:r>
-          <a:endParaRPr lang="en-US" dirty="0"/>
+          <a:endParaRPr lang="en-US" sz="2400" dirty="0">
+            <a:latin typeface="Times New Roman" panose="02020603050405020304" pitchFamily="18" charset="0"/>
+            <a:cs typeface="Times New Roman" panose="02020603050405020304" pitchFamily="18" charset="0"/>
+          </a:endParaRPr>
         </a:p>
       </dgm:t>
     </dgm:pt>
@@ -4486,22 +4828,31 @@
       </dgm:t>
     </dgm:pt>
     <dgm:pt modelId="{A756062B-06E2-4831-8CD5-B8BED0547E6B}">
-      <dgm:prSet/>
+      <dgm:prSet custT="1"/>
       <dgm:spPr/>
       <dgm:t>
         <a:bodyPr/>
         <a:lstStyle/>
         <a:p>
           <a:r>
-            <a:rPr lang="en-US" dirty="0"/>
+            <a:rPr lang="en-US" sz="2400" dirty="0">
+              <a:latin typeface="Times New Roman" panose="02020603050405020304" pitchFamily="18" charset="0"/>
+              <a:cs typeface="Times New Roman" panose="02020603050405020304" pitchFamily="18" charset="0"/>
+            </a:rPr>
             <a:t>Execution time [</a:t>
           </a:r>
           <a:r>
-            <a:rPr lang="en-US" i="1" dirty="0"/>
+            <a:rPr lang="en-US" sz="2400" i="1" dirty="0">
+              <a:latin typeface="Times New Roman" panose="02020603050405020304" pitchFamily="18" charset="0"/>
+              <a:cs typeface="Times New Roman" panose="02020603050405020304" pitchFamily="18" charset="0"/>
+            </a:rPr>
             <a:t>s</a:t>
           </a:r>
           <a:r>
-            <a:rPr lang="en-US" dirty="0"/>
+            <a:rPr lang="en-US" sz="2400" dirty="0">
+              <a:latin typeface="Times New Roman" panose="02020603050405020304" pitchFamily="18" charset="0"/>
+              <a:cs typeface="Times New Roman" panose="02020603050405020304" pitchFamily="18" charset="0"/>
+            </a:rPr>
             <a:t>]: 0.047</a:t>
           </a:r>
         </a:p>
@@ -4530,21 +4881,30 @@
       </dgm:t>
     </dgm:pt>
     <dgm:pt modelId="{16B75BFE-0E97-4E5A-A5F7-5F902C100099}">
-      <dgm:prSet/>
+      <dgm:prSet custT="1"/>
       <dgm:spPr/>
       <dgm:t>
         <a:bodyPr/>
         <a:lstStyle/>
         <a:p>
           <a:r>
-            <a:rPr lang="en-US" dirty="0"/>
+            <a:rPr lang="en-US" sz="2400" dirty="0">
+              <a:latin typeface="Times New Roman" panose="02020603050405020304" pitchFamily="18" charset="0"/>
+              <a:cs typeface="Times New Roman" panose="02020603050405020304" pitchFamily="18" charset="0"/>
+            </a:rPr>
             <a:t>Sequence: </a:t>
           </a:r>
           <a:r>
-            <a:rPr lang="en-US" b="1" dirty="0"/>
+            <a:rPr lang="en-US" sz="2400" b="1" dirty="0">
+              <a:latin typeface="Times New Roman" panose="02020603050405020304" pitchFamily="18" charset="0"/>
+              <a:cs typeface="Times New Roman" panose="02020603050405020304" pitchFamily="18" charset="0"/>
+            </a:rPr>
             <a:t>TACATTT</a:t>
           </a:r>
-          <a:endParaRPr lang="en-US" dirty="0"/>
+          <a:endParaRPr lang="en-US" sz="2400" dirty="0">
+            <a:latin typeface="Times New Roman" panose="02020603050405020304" pitchFamily="18" charset="0"/>
+            <a:cs typeface="Times New Roman" panose="02020603050405020304" pitchFamily="18" charset="0"/>
+          </a:endParaRPr>
         </a:p>
       </dgm:t>
     </dgm:pt>
@@ -4571,22 +4931,31 @@
       </dgm:t>
     </dgm:pt>
     <dgm:pt modelId="{FAAE5B2A-EDD1-4883-B86E-6C2F710AD7EA}">
-      <dgm:prSet/>
+      <dgm:prSet custT="1"/>
       <dgm:spPr/>
       <dgm:t>
         <a:bodyPr/>
         <a:lstStyle/>
         <a:p>
           <a:r>
-            <a:rPr lang="en-US" dirty="0"/>
+            <a:rPr lang="en-US" sz="2400" dirty="0">
+              <a:latin typeface="Times New Roman" panose="02020603050405020304" pitchFamily="18" charset="0"/>
+              <a:cs typeface="Times New Roman" panose="02020603050405020304" pitchFamily="18" charset="0"/>
+            </a:rPr>
             <a:t>Execution time [</a:t>
           </a:r>
           <a:r>
-            <a:rPr lang="en-US" i="1" dirty="0"/>
+            <a:rPr lang="en-US" sz="2400" i="1" dirty="0">
+              <a:latin typeface="Times New Roman" panose="02020603050405020304" pitchFamily="18" charset="0"/>
+              <a:cs typeface="Times New Roman" panose="02020603050405020304" pitchFamily="18" charset="0"/>
+            </a:rPr>
             <a:t>s</a:t>
           </a:r>
           <a:r>
-            <a:rPr lang="en-US" dirty="0"/>
+            <a:rPr lang="en-US" sz="2400" dirty="0">
+              <a:latin typeface="Times New Roman" panose="02020603050405020304" pitchFamily="18" charset="0"/>
+              <a:cs typeface="Times New Roman" panose="02020603050405020304" pitchFamily="18" charset="0"/>
+            </a:rPr>
             <a:t>]: 0.141</a:t>
           </a:r>
         </a:p>
@@ -4615,21 +4984,30 @@
       </dgm:t>
     </dgm:pt>
     <dgm:pt modelId="{E495105C-F95E-4186-BC65-1EEDEBE23275}">
-      <dgm:prSet/>
+      <dgm:prSet custT="1"/>
       <dgm:spPr/>
       <dgm:t>
         <a:bodyPr/>
         <a:lstStyle/>
         <a:p>
           <a:r>
-            <a:rPr lang="en-US" dirty="0"/>
+            <a:rPr lang="en-US" sz="2400" dirty="0">
+              <a:latin typeface="Times New Roman" panose="02020603050405020304" pitchFamily="18" charset="0"/>
+              <a:cs typeface="Times New Roman" panose="02020603050405020304" pitchFamily="18" charset="0"/>
+            </a:rPr>
             <a:t>Sequence: </a:t>
           </a:r>
           <a:r>
-            <a:rPr lang="en-US" b="1" dirty="0"/>
+            <a:rPr lang="en-US" sz="2400" b="1" dirty="0">
+              <a:latin typeface="Times New Roman" panose="02020603050405020304" pitchFamily="18" charset="0"/>
+              <a:cs typeface="Times New Roman" panose="02020603050405020304" pitchFamily="18" charset="0"/>
+            </a:rPr>
             <a:t>AGGAAAAAT</a:t>
           </a:r>
-          <a:endParaRPr lang="en-US" dirty="0"/>
+          <a:endParaRPr lang="en-US" sz="2400" dirty="0">
+            <a:latin typeface="Times New Roman" panose="02020603050405020304" pitchFamily="18" charset="0"/>
+            <a:cs typeface="Times New Roman" panose="02020603050405020304" pitchFamily="18" charset="0"/>
+          </a:endParaRPr>
         </a:p>
       </dgm:t>
     </dgm:pt>
@@ -4656,22 +5034,31 @@
       </dgm:t>
     </dgm:pt>
     <dgm:pt modelId="{3D5F8C7D-D616-41C5-9D07-06D4B0F67B76}">
-      <dgm:prSet/>
+      <dgm:prSet custT="1"/>
       <dgm:spPr/>
       <dgm:t>
         <a:bodyPr/>
         <a:lstStyle/>
         <a:p>
           <a:r>
-            <a:rPr lang="en-US" dirty="0"/>
+            <a:rPr lang="en-US" sz="2400" dirty="0">
+              <a:latin typeface="Times New Roman" panose="02020603050405020304" pitchFamily="18" charset="0"/>
+              <a:cs typeface="Times New Roman" panose="02020603050405020304" pitchFamily="18" charset="0"/>
+            </a:rPr>
             <a:t>Execution time [</a:t>
           </a:r>
           <a:r>
-            <a:rPr lang="en-US" i="1" dirty="0"/>
+            <a:rPr lang="en-US" sz="2400" i="1" dirty="0">
+              <a:latin typeface="Times New Roman" panose="02020603050405020304" pitchFamily="18" charset="0"/>
+              <a:cs typeface="Times New Roman" panose="02020603050405020304" pitchFamily="18" charset="0"/>
+            </a:rPr>
             <a:t>s</a:t>
           </a:r>
           <a:r>
-            <a:rPr lang="en-US" dirty="0"/>
+            <a:rPr lang="en-US" sz="2400" dirty="0">
+              <a:latin typeface="Times New Roman" panose="02020603050405020304" pitchFamily="18" charset="0"/>
+              <a:cs typeface="Times New Roman" panose="02020603050405020304" pitchFamily="18" charset="0"/>
+            </a:rPr>
             <a:t>]: 0.016</a:t>
           </a:r>
         </a:p>
@@ -4700,22 +5087,31 @@
       </dgm:t>
     </dgm:pt>
     <dgm:pt modelId="{A041AD4D-8BF7-4800-A7D3-96503B16A123}">
-      <dgm:prSet/>
+      <dgm:prSet custT="1"/>
       <dgm:spPr/>
       <dgm:t>
         <a:bodyPr/>
         <a:lstStyle/>
         <a:p>
           <a:r>
-            <a:rPr lang="en-US" dirty="0"/>
+            <a:rPr lang="en-US" sz="2400" dirty="0">
+              <a:latin typeface="Times New Roman" panose="02020603050405020304" pitchFamily="18" charset="0"/>
+              <a:cs typeface="Times New Roman" panose="02020603050405020304" pitchFamily="18" charset="0"/>
+            </a:rPr>
             <a:t>Memory usage [</a:t>
           </a:r>
           <a:r>
-            <a:rPr lang="en-US" i="1" dirty="0"/>
+            <a:rPr lang="en-US" sz="2400" i="1" dirty="0">
+              <a:latin typeface="Times New Roman" panose="02020603050405020304" pitchFamily="18" charset="0"/>
+              <a:cs typeface="Times New Roman" panose="02020603050405020304" pitchFamily="18" charset="0"/>
+            </a:rPr>
             <a:t>MB</a:t>
           </a:r>
           <a:r>
-            <a:rPr lang="en-US" dirty="0"/>
+            <a:rPr lang="en-US" sz="2400" dirty="0">
+              <a:latin typeface="Times New Roman" panose="02020603050405020304" pitchFamily="18" charset="0"/>
+              <a:cs typeface="Times New Roman" panose="02020603050405020304" pitchFamily="18" charset="0"/>
+            </a:rPr>
             <a:t>]: 283.25</a:t>
           </a:r>
         </a:p>
@@ -4869,8 +5265,8 @@
       </dsp:nvSpPr>
       <dsp:spPr>
         <a:xfrm>
-          <a:off x="51" y="82224"/>
-          <a:ext cx="4913783" cy="777600"/>
+          <a:off x="51" y="6320"/>
+          <a:ext cx="4913783" cy="1468800"/>
         </a:xfrm>
         <a:prstGeom prst="rect">
           <a:avLst/>
@@ -4912,12 +5308,12 @@
         </a:fontRef>
       </dsp:style>
       <dsp:txBody>
-        <a:bodyPr spcFirstLastPara="0" vert="horz" wrap="square" lIns="192024" tIns="109728" rIns="192024" bIns="109728" numCol="1" spcCol="1270" anchor="ctr" anchorCtr="0">
+        <a:bodyPr spcFirstLastPara="0" vert="horz" wrap="square" lIns="199136" tIns="113792" rIns="199136" bIns="113792" numCol="1" spcCol="1270" anchor="ctr" anchorCtr="0">
           <a:noAutofit/>
         </a:bodyPr>
         <a:lstStyle/>
         <a:p>
-          <a:pPr marL="0" lvl="0" indent="0" algn="ctr" defTabSz="1200150">
+          <a:pPr marL="0" lvl="0" indent="0" algn="ctr" defTabSz="1244600">
             <a:lnSpc>
               <a:spcPct val="90000"/>
             </a:lnSpc>
@@ -4930,14 +5326,17 @@
             <a:buNone/>
           </a:pPr>
           <a:r>
-            <a:rPr lang="en-US" sz="2700" kern="1200"/>
+            <a:rPr lang="en-US" sz="2800" kern="1200" dirty="0">
+              <a:latin typeface="Times New Roman" panose="02020603050405020304" pitchFamily="18" charset="0"/>
+              <a:cs typeface="Times New Roman" panose="02020603050405020304" pitchFamily="18" charset="0"/>
+            </a:rPr>
             <a:t>Original code performance</a:t>
           </a:r>
         </a:p>
       </dsp:txBody>
       <dsp:txXfrm>
-        <a:off x="51" y="82224"/>
-        <a:ext cx="4913783" cy="777600"/>
+        <a:off x="51" y="6320"/>
+        <a:ext cx="4913783" cy="1468800"/>
       </dsp:txXfrm>
     </dsp:sp>
     <dsp:sp modelId="{E80AF4A4-FDFE-4EA9-8D42-164DD80D0024}">
@@ -4947,8 +5346,8 @@
       </dsp:nvSpPr>
       <dsp:spPr>
         <a:xfrm>
-          <a:off x="51" y="859824"/>
-          <a:ext cx="4913783" cy="3409289"/>
+          <a:off x="51" y="1475120"/>
+          <a:ext cx="4913783" cy="2869897"/>
         </a:xfrm>
         <a:prstGeom prst="rect">
           <a:avLst/>
@@ -4992,12 +5391,12 @@
         <a:fontRef idx="minor"/>
       </dsp:style>
       <dsp:txBody>
-        <a:bodyPr spcFirstLastPara="0" vert="horz" wrap="square" lIns="144018" tIns="144018" rIns="192024" bIns="216027" numCol="1" spcCol="1270" anchor="t" anchorCtr="0">
+        <a:bodyPr spcFirstLastPara="0" vert="horz" wrap="square" lIns="128016" tIns="128016" rIns="170688" bIns="192024" numCol="1" spcCol="1270" anchor="t" anchorCtr="0">
           <a:noAutofit/>
         </a:bodyPr>
         <a:lstStyle/>
         <a:p>
-          <a:pPr marL="228600" lvl="1" indent="-228600" algn="l" defTabSz="1200150">
+          <a:pPr marL="228600" lvl="1" indent="-228600" algn="l" defTabSz="1066800">
             <a:lnSpc>
               <a:spcPct val="90000"/>
             </a:lnSpc>
@@ -5010,17 +5409,26 @@
             <a:buChar char="•"/>
           </a:pPr>
           <a:r>
-            <a:rPr lang="en-US" sz="2700" kern="1200"/>
+            <a:rPr lang="en-US" sz="2400" kern="1200" dirty="0">
+              <a:latin typeface="Times New Roman" panose="02020603050405020304" pitchFamily="18" charset="0"/>
+              <a:cs typeface="Times New Roman" panose="02020603050405020304" pitchFamily="18" charset="0"/>
+            </a:rPr>
             <a:t>Sequence: </a:t>
           </a:r>
           <a:r>
-            <a:rPr lang="en-US" sz="2700" b="1" kern="1200"/>
+            <a:rPr lang="en-US" sz="2400" b="1" kern="1200" dirty="0">
+              <a:latin typeface="Times New Roman" panose="02020603050405020304" pitchFamily="18" charset="0"/>
+              <a:cs typeface="Times New Roman" panose="02020603050405020304" pitchFamily="18" charset="0"/>
+            </a:rPr>
             <a:t>ATGCATG</a:t>
           </a:r>
-          <a:endParaRPr lang="en-US" sz="2700" kern="1200"/>
+          <a:endParaRPr lang="en-US" sz="2400" kern="1200" dirty="0">
+            <a:latin typeface="Times New Roman" panose="02020603050405020304" pitchFamily="18" charset="0"/>
+            <a:cs typeface="Times New Roman" panose="02020603050405020304" pitchFamily="18" charset="0"/>
+          </a:endParaRPr>
         </a:p>
         <a:p>
-          <a:pPr marL="457200" lvl="2" indent="-228600" algn="l" defTabSz="1200150">
+          <a:pPr marL="457200" lvl="2" indent="-228600" algn="l" defTabSz="1066800">
             <a:lnSpc>
               <a:spcPct val="90000"/>
             </a:lnSpc>
@@ -5033,20 +5441,29 @@
             <a:buChar char="•"/>
           </a:pPr>
           <a:r>
-            <a:rPr lang="en-US" sz="2700" kern="1200" dirty="0"/>
+            <a:rPr lang="en-US" sz="2400" kern="1200" dirty="0">
+              <a:latin typeface="Times New Roman" panose="02020603050405020304" pitchFamily="18" charset="0"/>
+              <a:cs typeface="Times New Roman" panose="02020603050405020304" pitchFamily="18" charset="0"/>
+            </a:rPr>
             <a:t>Execution time [</a:t>
           </a:r>
           <a:r>
-            <a:rPr lang="en-US" sz="2700" i="1" kern="1200" dirty="0"/>
+            <a:rPr lang="en-US" sz="2400" i="1" kern="1200" dirty="0">
+              <a:latin typeface="Times New Roman" panose="02020603050405020304" pitchFamily="18" charset="0"/>
+              <a:cs typeface="Times New Roman" panose="02020603050405020304" pitchFamily="18" charset="0"/>
+            </a:rPr>
             <a:t>s</a:t>
           </a:r>
           <a:r>
-            <a:rPr lang="en-US" sz="2700" kern="1200" dirty="0"/>
+            <a:rPr lang="en-US" sz="2400" kern="1200" dirty="0">
+              <a:latin typeface="Times New Roman" panose="02020603050405020304" pitchFamily="18" charset="0"/>
+              <a:cs typeface="Times New Roman" panose="02020603050405020304" pitchFamily="18" charset="0"/>
+            </a:rPr>
             <a:t>]: 0.734</a:t>
           </a:r>
         </a:p>
         <a:p>
-          <a:pPr marL="228600" lvl="1" indent="-228600" algn="l" defTabSz="1200150">
+          <a:pPr marL="228600" lvl="1" indent="-228600" algn="l" defTabSz="1066800">
             <a:lnSpc>
               <a:spcPct val="90000"/>
             </a:lnSpc>
@@ -5059,17 +5476,26 @@
             <a:buChar char="•"/>
           </a:pPr>
           <a:r>
-            <a:rPr lang="en-US" sz="2700" kern="1200"/>
+            <a:rPr lang="en-US" sz="2400" kern="1200" dirty="0">
+              <a:latin typeface="Times New Roman" panose="02020603050405020304" pitchFamily="18" charset="0"/>
+              <a:cs typeface="Times New Roman" panose="02020603050405020304" pitchFamily="18" charset="0"/>
+            </a:rPr>
             <a:t>Sequence: </a:t>
           </a:r>
           <a:r>
-            <a:rPr lang="en-US" sz="2700" b="1" kern="1200"/>
+            <a:rPr lang="en-US" sz="2400" b="1" kern="1200" dirty="0">
+              <a:latin typeface="Times New Roman" panose="02020603050405020304" pitchFamily="18" charset="0"/>
+              <a:cs typeface="Times New Roman" panose="02020603050405020304" pitchFamily="18" charset="0"/>
+            </a:rPr>
             <a:t>TCTCTCTA</a:t>
           </a:r>
-          <a:endParaRPr lang="en-US" sz="2700" kern="1200"/>
+          <a:endParaRPr lang="en-US" sz="2400" kern="1200" dirty="0">
+            <a:latin typeface="Times New Roman" panose="02020603050405020304" pitchFamily="18" charset="0"/>
+            <a:cs typeface="Times New Roman" panose="02020603050405020304" pitchFamily="18" charset="0"/>
+          </a:endParaRPr>
         </a:p>
         <a:p>
-          <a:pPr marL="457200" lvl="2" indent="-228600" algn="l" defTabSz="1200150">
+          <a:pPr marL="457200" lvl="2" indent="-228600" algn="l" defTabSz="1066800">
             <a:lnSpc>
               <a:spcPct val="90000"/>
             </a:lnSpc>
@@ -5082,20 +5508,29 @@
             <a:buChar char="•"/>
           </a:pPr>
           <a:r>
-            <a:rPr lang="en-US" sz="2700" kern="1200" dirty="0"/>
+            <a:rPr lang="en-US" sz="2400" kern="1200" dirty="0">
+              <a:latin typeface="Times New Roman" panose="02020603050405020304" pitchFamily="18" charset="0"/>
+              <a:cs typeface="Times New Roman" panose="02020603050405020304" pitchFamily="18" charset="0"/>
+            </a:rPr>
             <a:t>Execution time [</a:t>
           </a:r>
           <a:r>
-            <a:rPr lang="en-US" sz="2700" i="1" kern="1200" dirty="0"/>
+            <a:rPr lang="en-US" sz="2400" i="1" kern="1200" dirty="0">
+              <a:latin typeface="Times New Roman" panose="02020603050405020304" pitchFamily="18" charset="0"/>
+              <a:cs typeface="Times New Roman" panose="02020603050405020304" pitchFamily="18" charset="0"/>
+            </a:rPr>
             <a:t>s</a:t>
           </a:r>
           <a:r>
-            <a:rPr lang="en-US" sz="2700" kern="1200" dirty="0"/>
+            <a:rPr lang="en-US" sz="2400" kern="1200" dirty="0">
+              <a:latin typeface="Times New Roman" panose="02020603050405020304" pitchFamily="18" charset="0"/>
+              <a:cs typeface="Times New Roman" panose="02020603050405020304" pitchFamily="18" charset="0"/>
+            </a:rPr>
             <a:t>]: 0.687</a:t>
           </a:r>
         </a:p>
         <a:p>
-          <a:pPr marL="228600" lvl="1" indent="-228600" algn="l" defTabSz="1200150">
+          <a:pPr marL="228600" lvl="1" indent="-228600" algn="l" defTabSz="1066800">
             <a:lnSpc>
               <a:spcPct val="90000"/>
             </a:lnSpc>
@@ -5108,17 +5543,26 @@
             <a:buChar char="•"/>
           </a:pPr>
           <a:r>
-            <a:rPr lang="en-US" sz="2700" kern="1200"/>
+            <a:rPr lang="en-US" sz="2400" kern="1200" dirty="0">
+              <a:latin typeface="Times New Roman" panose="02020603050405020304" pitchFamily="18" charset="0"/>
+              <a:cs typeface="Times New Roman" panose="02020603050405020304" pitchFamily="18" charset="0"/>
+            </a:rPr>
             <a:t>Sequence: </a:t>
           </a:r>
           <a:r>
-            <a:rPr lang="en-US" sz="2700" b="1" kern="1200"/>
+            <a:rPr lang="en-US" sz="2400" b="1" kern="1200" dirty="0">
+              <a:latin typeface="Times New Roman" panose="02020603050405020304" pitchFamily="18" charset="0"/>
+              <a:cs typeface="Times New Roman" panose="02020603050405020304" pitchFamily="18" charset="0"/>
+            </a:rPr>
             <a:t>TTCACTACTCTCA</a:t>
           </a:r>
-          <a:endParaRPr lang="en-US" sz="2700" kern="1200"/>
+          <a:endParaRPr lang="en-US" sz="2400" kern="1200" dirty="0">
+            <a:latin typeface="Times New Roman" panose="02020603050405020304" pitchFamily="18" charset="0"/>
+            <a:cs typeface="Times New Roman" panose="02020603050405020304" pitchFamily="18" charset="0"/>
+          </a:endParaRPr>
         </a:p>
         <a:p>
-          <a:pPr marL="457200" lvl="2" indent="-228600" algn="l" defTabSz="1200150">
+          <a:pPr marL="457200" lvl="2" indent="-228600" algn="l" defTabSz="1066800">
             <a:lnSpc>
               <a:spcPct val="90000"/>
             </a:lnSpc>
@@ -5131,20 +5575,29 @@
             <a:buChar char="•"/>
           </a:pPr>
           <a:r>
-            <a:rPr lang="en-US" sz="2700" kern="1200" dirty="0"/>
+            <a:rPr lang="en-US" sz="2400" kern="1200" dirty="0">
+              <a:latin typeface="Times New Roman" panose="02020603050405020304" pitchFamily="18" charset="0"/>
+              <a:cs typeface="Times New Roman" panose="02020603050405020304" pitchFamily="18" charset="0"/>
+            </a:rPr>
             <a:t>Execution time [</a:t>
           </a:r>
           <a:r>
-            <a:rPr lang="en-US" sz="2700" i="1" kern="1200" dirty="0"/>
+            <a:rPr lang="en-US" sz="2400" i="1" kern="1200" dirty="0">
+              <a:latin typeface="Times New Roman" panose="02020603050405020304" pitchFamily="18" charset="0"/>
+              <a:cs typeface="Times New Roman" panose="02020603050405020304" pitchFamily="18" charset="0"/>
+            </a:rPr>
             <a:t>s</a:t>
           </a:r>
           <a:r>
-            <a:rPr lang="en-US" sz="2700" kern="1200" dirty="0"/>
+            <a:rPr lang="en-US" sz="2400" kern="1200" dirty="0">
+              <a:latin typeface="Times New Roman" panose="02020603050405020304" pitchFamily="18" charset="0"/>
+              <a:cs typeface="Times New Roman" panose="02020603050405020304" pitchFamily="18" charset="0"/>
+            </a:rPr>
             <a:t>]: 0.765</a:t>
           </a:r>
         </a:p>
         <a:p>
-          <a:pPr marL="228600" lvl="1" indent="-228600" algn="l" defTabSz="1200150">
+          <a:pPr marL="228600" lvl="1" indent="-228600" algn="l" defTabSz="1066800">
             <a:lnSpc>
               <a:spcPct val="90000"/>
             </a:lnSpc>
@@ -5157,22 +5610,31 @@
             <a:buChar char="•"/>
           </a:pPr>
           <a:r>
-            <a:rPr lang="en-US" sz="2700" kern="1200"/>
+            <a:rPr lang="en-US" sz="2400" kern="1200" dirty="0">
+              <a:latin typeface="Times New Roman" panose="02020603050405020304" pitchFamily="18" charset="0"/>
+              <a:cs typeface="Times New Roman" panose="02020603050405020304" pitchFamily="18" charset="0"/>
+            </a:rPr>
             <a:t>Memory usage [</a:t>
           </a:r>
           <a:r>
-            <a:rPr lang="en-US" sz="2700" i="1" kern="1200"/>
+            <a:rPr lang="en-US" sz="2400" i="1" kern="1200" dirty="0">
+              <a:latin typeface="Times New Roman" panose="02020603050405020304" pitchFamily="18" charset="0"/>
+              <a:cs typeface="Times New Roman" panose="02020603050405020304" pitchFamily="18" charset="0"/>
+            </a:rPr>
             <a:t>MB</a:t>
           </a:r>
           <a:r>
-            <a:rPr lang="en-US" sz="2700" kern="1200"/>
+            <a:rPr lang="en-US" sz="2400" kern="1200" dirty="0">
+              <a:latin typeface="Times New Roman" panose="02020603050405020304" pitchFamily="18" charset="0"/>
+              <a:cs typeface="Times New Roman" panose="02020603050405020304" pitchFamily="18" charset="0"/>
+            </a:rPr>
             <a:t>]: 1931.63</a:t>
           </a:r>
         </a:p>
       </dsp:txBody>
       <dsp:txXfrm>
-        <a:off x="51" y="859824"/>
-        <a:ext cx="4913783" cy="3409289"/>
+        <a:off x="51" y="1475120"/>
+        <a:ext cx="4913783" cy="2869897"/>
       </dsp:txXfrm>
     </dsp:sp>
     <dsp:sp modelId="{78A71D64-5064-4E03-BF4A-B6C218769E1D}">
@@ -5182,8 +5644,8 @@
       </dsp:nvSpPr>
       <dsp:spPr>
         <a:xfrm>
-          <a:off x="5601764" y="82224"/>
-          <a:ext cx="4913783" cy="777600"/>
+          <a:off x="5601764" y="6320"/>
+          <a:ext cx="4913783" cy="1468800"/>
         </a:xfrm>
         <a:prstGeom prst="rect">
           <a:avLst/>
@@ -5225,12 +5687,12 @@
         </a:fontRef>
       </dsp:style>
       <dsp:txBody>
-        <a:bodyPr spcFirstLastPara="0" vert="horz" wrap="square" lIns="192024" tIns="109728" rIns="192024" bIns="109728" numCol="1" spcCol="1270" anchor="ctr" anchorCtr="0">
+        <a:bodyPr spcFirstLastPara="0" vert="horz" wrap="square" lIns="199136" tIns="113792" rIns="199136" bIns="113792" numCol="1" spcCol="1270" anchor="ctr" anchorCtr="0">
           <a:noAutofit/>
         </a:bodyPr>
         <a:lstStyle/>
         <a:p>
-          <a:pPr marL="0" lvl="0" indent="0" algn="ctr" defTabSz="1200150">
+          <a:pPr marL="0" lvl="0" indent="0" algn="ctr" defTabSz="1244600">
             <a:lnSpc>
               <a:spcPct val="90000"/>
             </a:lnSpc>
@@ -5243,14 +5705,17 @@
             <a:buNone/>
           </a:pPr>
           <a:r>
-            <a:rPr lang="en-US" sz="2700" kern="1200"/>
+            <a:rPr lang="en-US" sz="2800" kern="1200" dirty="0">
+              <a:latin typeface="Times New Roman" panose="02020603050405020304" pitchFamily="18" charset="0"/>
+              <a:cs typeface="Times New Roman" panose="02020603050405020304" pitchFamily="18" charset="0"/>
+            </a:rPr>
             <a:t>Optimized code performance</a:t>
           </a:r>
         </a:p>
       </dsp:txBody>
       <dsp:txXfrm>
-        <a:off x="5601764" y="82224"/>
-        <a:ext cx="4913783" cy="777600"/>
+        <a:off x="5601764" y="6320"/>
+        <a:ext cx="4913783" cy="1468800"/>
       </dsp:txXfrm>
     </dsp:sp>
     <dsp:sp modelId="{BD5DBD13-7047-4D09-9A4E-7781DF6C971E}">
@@ -5260,8 +5725,8 @@
       </dsp:nvSpPr>
       <dsp:spPr>
         <a:xfrm>
-          <a:off x="5601764" y="859824"/>
-          <a:ext cx="4913783" cy="3409289"/>
+          <a:off x="5601764" y="1475120"/>
+          <a:ext cx="4913783" cy="2869897"/>
         </a:xfrm>
         <a:prstGeom prst="rect">
           <a:avLst/>
@@ -5305,12 +5770,12 @@
         <a:fontRef idx="minor"/>
       </dsp:style>
       <dsp:txBody>
-        <a:bodyPr spcFirstLastPara="0" vert="horz" wrap="square" lIns="144018" tIns="144018" rIns="192024" bIns="216027" numCol="1" spcCol="1270" anchor="t" anchorCtr="0">
+        <a:bodyPr spcFirstLastPara="0" vert="horz" wrap="square" lIns="128016" tIns="128016" rIns="170688" bIns="192024" numCol="1" spcCol="1270" anchor="t" anchorCtr="0">
           <a:noAutofit/>
         </a:bodyPr>
         <a:lstStyle/>
         <a:p>
-          <a:pPr marL="228600" lvl="1" indent="-228600" algn="l" defTabSz="1200150">
+          <a:pPr marL="228600" lvl="1" indent="-228600" algn="l" defTabSz="1066800">
             <a:lnSpc>
               <a:spcPct val="90000"/>
             </a:lnSpc>
@@ -5323,17 +5788,26 @@
             <a:buChar char="•"/>
           </a:pPr>
           <a:r>
-            <a:rPr lang="en-US" sz="2700" kern="1200" dirty="0"/>
+            <a:rPr lang="en-US" sz="2400" kern="1200" dirty="0">
+              <a:latin typeface="Times New Roman" panose="02020603050405020304" pitchFamily="18" charset="0"/>
+              <a:cs typeface="Times New Roman" panose="02020603050405020304" pitchFamily="18" charset="0"/>
+            </a:rPr>
             <a:t>Sequence: </a:t>
           </a:r>
           <a:r>
-            <a:rPr lang="en-US" sz="2700" b="1" kern="1200" dirty="0"/>
+            <a:rPr lang="en-US" sz="2400" b="1" kern="1200" dirty="0">
+              <a:latin typeface="Times New Roman" panose="02020603050405020304" pitchFamily="18" charset="0"/>
+              <a:cs typeface="Times New Roman" panose="02020603050405020304" pitchFamily="18" charset="0"/>
+            </a:rPr>
             <a:t>ATGCATG</a:t>
           </a:r>
-          <a:endParaRPr lang="en-US" sz="2700" kern="1200" dirty="0"/>
+          <a:endParaRPr lang="en-US" sz="2400" kern="1200" dirty="0">
+            <a:latin typeface="Times New Roman" panose="02020603050405020304" pitchFamily="18" charset="0"/>
+            <a:cs typeface="Times New Roman" panose="02020603050405020304" pitchFamily="18" charset="0"/>
+          </a:endParaRPr>
         </a:p>
         <a:p>
-          <a:pPr marL="457200" lvl="2" indent="-228600" algn="l" defTabSz="1200150">
+          <a:pPr marL="457200" lvl="2" indent="-228600" algn="l" defTabSz="1066800">
             <a:lnSpc>
               <a:spcPct val="90000"/>
             </a:lnSpc>
@@ -5346,20 +5820,29 @@
             <a:buChar char="•"/>
           </a:pPr>
           <a:r>
-            <a:rPr lang="en-US" sz="2700" kern="1200" dirty="0"/>
+            <a:rPr lang="en-US" sz="2400" kern="1200" dirty="0">
+              <a:latin typeface="Times New Roman" panose="02020603050405020304" pitchFamily="18" charset="0"/>
+              <a:cs typeface="Times New Roman" panose="02020603050405020304" pitchFamily="18" charset="0"/>
+            </a:rPr>
             <a:t>Execution time [</a:t>
           </a:r>
           <a:r>
-            <a:rPr lang="en-US" sz="2700" i="1" kern="1200" dirty="0"/>
+            <a:rPr lang="en-US" sz="2400" i="1" kern="1200" dirty="0">
+              <a:latin typeface="Times New Roman" panose="02020603050405020304" pitchFamily="18" charset="0"/>
+              <a:cs typeface="Times New Roman" panose="02020603050405020304" pitchFamily="18" charset="0"/>
+            </a:rPr>
             <a:t>s</a:t>
           </a:r>
           <a:r>
-            <a:rPr lang="en-US" sz="2700" kern="1200" dirty="0"/>
+            <a:rPr lang="en-US" sz="2400" kern="1200" dirty="0">
+              <a:latin typeface="Times New Roman" panose="02020603050405020304" pitchFamily="18" charset="0"/>
+              <a:cs typeface="Times New Roman" panose="02020603050405020304" pitchFamily="18" charset="0"/>
+            </a:rPr>
             <a:t>]: 0.047</a:t>
           </a:r>
         </a:p>
         <a:p>
-          <a:pPr marL="228600" lvl="1" indent="-228600" algn="l" defTabSz="1200150">
+          <a:pPr marL="228600" lvl="1" indent="-228600" algn="l" defTabSz="1066800">
             <a:lnSpc>
               <a:spcPct val="90000"/>
             </a:lnSpc>
@@ -5372,17 +5855,26 @@
             <a:buChar char="•"/>
           </a:pPr>
           <a:r>
-            <a:rPr lang="en-US" sz="2700" kern="1200"/>
+            <a:rPr lang="en-US" sz="2400" kern="1200" dirty="0">
+              <a:latin typeface="Times New Roman" panose="02020603050405020304" pitchFamily="18" charset="0"/>
+              <a:cs typeface="Times New Roman" panose="02020603050405020304" pitchFamily="18" charset="0"/>
+            </a:rPr>
             <a:t>Sequence: </a:t>
           </a:r>
           <a:r>
-            <a:rPr lang="en-US" sz="2700" b="1" kern="1200"/>
+            <a:rPr lang="en-US" sz="2400" b="1" kern="1200" dirty="0">
+              <a:latin typeface="Times New Roman" panose="02020603050405020304" pitchFamily="18" charset="0"/>
+              <a:cs typeface="Times New Roman" panose="02020603050405020304" pitchFamily="18" charset="0"/>
+            </a:rPr>
             <a:t>TCTCTCTA</a:t>
           </a:r>
-          <a:endParaRPr lang="en-US" sz="2700" kern="1200"/>
+          <a:endParaRPr lang="en-US" sz="2400" kern="1200" dirty="0">
+            <a:latin typeface="Times New Roman" panose="02020603050405020304" pitchFamily="18" charset="0"/>
+            <a:cs typeface="Times New Roman" panose="02020603050405020304" pitchFamily="18" charset="0"/>
+          </a:endParaRPr>
         </a:p>
         <a:p>
-          <a:pPr marL="457200" lvl="2" indent="-228600" algn="l" defTabSz="1200150">
+          <a:pPr marL="457200" lvl="2" indent="-228600" algn="l" defTabSz="1066800">
             <a:lnSpc>
               <a:spcPct val="90000"/>
             </a:lnSpc>
@@ -5395,20 +5887,29 @@
             <a:buChar char="•"/>
           </a:pPr>
           <a:r>
-            <a:rPr lang="en-US" sz="2700" kern="1200" dirty="0"/>
+            <a:rPr lang="en-US" sz="2400" kern="1200" dirty="0">
+              <a:latin typeface="Times New Roman" panose="02020603050405020304" pitchFamily="18" charset="0"/>
+              <a:cs typeface="Times New Roman" panose="02020603050405020304" pitchFamily="18" charset="0"/>
+            </a:rPr>
             <a:t>Execution time [</a:t>
           </a:r>
           <a:r>
-            <a:rPr lang="en-US" sz="2700" i="1" kern="1200" dirty="0"/>
+            <a:rPr lang="en-US" sz="2400" i="1" kern="1200" dirty="0">
+              <a:latin typeface="Times New Roman" panose="02020603050405020304" pitchFamily="18" charset="0"/>
+              <a:cs typeface="Times New Roman" panose="02020603050405020304" pitchFamily="18" charset="0"/>
+            </a:rPr>
             <a:t>s</a:t>
           </a:r>
           <a:r>
-            <a:rPr lang="en-US" sz="2700" kern="1200" dirty="0"/>
+            <a:rPr lang="en-US" sz="2400" kern="1200" dirty="0">
+              <a:latin typeface="Times New Roman" panose="02020603050405020304" pitchFamily="18" charset="0"/>
+              <a:cs typeface="Times New Roman" panose="02020603050405020304" pitchFamily="18" charset="0"/>
+            </a:rPr>
             <a:t>]: 0.016</a:t>
           </a:r>
         </a:p>
         <a:p>
-          <a:pPr marL="228600" lvl="1" indent="-228600" algn="l" defTabSz="1200150">
+          <a:pPr marL="228600" lvl="1" indent="-228600" algn="l" defTabSz="1066800">
             <a:lnSpc>
               <a:spcPct val="90000"/>
             </a:lnSpc>
@@ -5421,17 +5922,26 @@
             <a:buChar char="•"/>
           </a:pPr>
           <a:r>
-            <a:rPr lang="en-US" sz="2700" kern="1200"/>
+            <a:rPr lang="en-US" sz="2400" kern="1200" dirty="0">
+              <a:latin typeface="Times New Roman" panose="02020603050405020304" pitchFamily="18" charset="0"/>
+              <a:cs typeface="Times New Roman" panose="02020603050405020304" pitchFamily="18" charset="0"/>
+            </a:rPr>
             <a:t>Sequence: </a:t>
           </a:r>
           <a:r>
-            <a:rPr lang="en-US" sz="2700" b="1" kern="1200"/>
+            <a:rPr lang="en-US" sz="2400" b="1" kern="1200" dirty="0">
+              <a:latin typeface="Times New Roman" panose="02020603050405020304" pitchFamily="18" charset="0"/>
+              <a:cs typeface="Times New Roman" panose="02020603050405020304" pitchFamily="18" charset="0"/>
+            </a:rPr>
             <a:t>TTCACTACTCTCA</a:t>
           </a:r>
-          <a:endParaRPr lang="en-US" sz="2700" kern="1200"/>
+          <a:endParaRPr lang="en-US" sz="2400" kern="1200" dirty="0">
+            <a:latin typeface="Times New Roman" panose="02020603050405020304" pitchFamily="18" charset="0"/>
+            <a:cs typeface="Times New Roman" panose="02020603050405020304" pitchFamily="18" charset="0"/>
+          </a:endParaRPr>
         </a:p>
         <a:p>
-          <a:pPr marL="457200" lvl="2" indent="-228600" algn="l" defTabSz="1200150">
+          <a:pPr marL="457200" lvl="2" indent="-228600" algn="l" defTabSz="1066800">
             <a:lnSpc>
               <a:spcPct val="90000"/>
             </a:lnSpc>
@@ -5444,20 +5954,29 @@
             <a:buChar char="•"/>
           </a:pPr>
           <a:r>
-            <a:rPr lang="en-US" sz="2700" kern="1200" dirty="0"/>
+            <a:rPr lang="en-US" sz="2400" kern="1200" dirty="0">
+              <a:latin typeface="Times New Roman" panose="02020603050405020304" pitchFamily="18" charset="0"/>
+              <a:cs typeface="Times New Roman" panose="02020603050405020304" pitchFamily="18" charset="0"/>
+            </a:rPr>
             <a:t>Execution time [</a:t>
           </a:r>
           <a:r>
-            <a:rPr lang="en-US" sz="2700" i="1" kern="1200" dirty="0"/>
+            <a:rPr lang="en-US" sz="2400" i="1" kern="1200" dirty="0">
+              <a:latin typeface="Times New Roman" panose="02020603050405020304" pitchFamily="18" charset="0"/>
+              <a:cs typeface="Times New Roman" panose="02020603050405020304" pitchFamily="18" charset="0"/>
+            </a:rPr>
             <a:t>s</a:t>
           </a:r>
           <a:r>
-            <a:rPr lang="en-US" sz="2700" kern="1200" dirty="0"/>
+            <a:rPr lang="en-US" sz="2400" kern="1200" dirty="0">
+              <a:latin typeface="Times New Roman" panose="02020603050405020304" pitchFamily="18" charset="0"/>
+              <a:cs typeface="Times New Roman" panose="02020603050405020304" pitchFamily="18" charset="0"/>
+            </a:rPr>
             <a:t>]: 0.0</a:t>
           </a:r>
         </a:p>
         <a:p>
-          <a:pPr marL="228600" lvl="1" indent="-228600" algn="l" defTabSz="1200150">
+          <a:pPr marL="228600" lvl="1" indent="-228600" algn="l" defTabSz="1066800">
             <a:lnSpc>
               <a:spcPct val="90000"/>
             </a:lnSpc>
@@ -5470,22 +5989,31 @@
             <a:buChar char="•"/>
           </a:pPr>
           <a:r>
-            <a:rPr lang="en-US" sz="2700" kern="1200" dirty="0"/>
+            <a:rPr lang="en-US" sz="2400" kern="1200" dirty="0">
+              <a:latin typeface="Times New Roman" panose="02020603050405020304" pitchFamily="18" charset="0"/>
+              <a:cs typeface="Times New Roman" panose="02020603050405020304" pitchFamily="18" charset="0"/>
+            </a:rPr>
             <a:t>Memory usage [</a:t>
           </a:r>
           <a:r>
-            <a:rPr lang="en-US" sz="2700" i="1" kern="1200" dirty="0"/>
+            <a:rPr lang="en-US" sz="2400" i="1" kern="1200" dirty="0">
+              <a:latin typeface="Times New Roman" panose="02020603050405020304" pitchFamily="18" charset="0"/>
+              <a:cs typeface="Times New Roman" panose="02020603050405020304" pitchFamily="18" charset="0"/>
+            </a:rPr>
             <a:t>MB</a:t>
           </a:r>
           <a:r>
-            <a:rPr lang="en-US" sz="2700" kern="1200" dirty="0"/>
+            <a:rPr lang="en-US" sz="2400" kern="1200" dirty="0">
+              <a:latin typeface="Times New Roman" panose="02020603050405020304" pitchFamily="18" charset="0"/>
+              <a:cs typeface="Times New Roman" panose="02020603050405020304" pitchFamily="18" charset="0"/>
+            </a:rPr>
             <a:t>]: 186.42</a:t>
           </a:r>
         </a:p>
       </dsp:txBody>
       <dsp:txXfrm>
-        <a:off x="5601764" y="859824"/>
-        <a:ext cx="4913783" cy="3409289"/>
+        <a:off x="5601764" y="1475120"/>
+        <a:ext cx="4913783" cy="2869897"/>
       </dsp:txXfrm>
     </dsp:sp>
   </dsp:spTree>
@@ -5507,8 +6035,8 @@
       </dsp:nvSpPr>
       <dsp:spPr>
         <a:xfrm>
-          <a:off x="51" y="82224"/>
-          <a:ext cx="4913783" cy="777600"/>
+          <a:off x="51" y="6320"/>
+          <a:ext cx="4913783" cy="1468800"/>
         </a:xfrm>
         <a:prstGeom prst="rect">
           <a:avLst/>
@@ -5550,12 +6078,12 @@
         </a:fontRef>
       </dsp:style>
       <dsp:txBody>
-        <a:bodyPr spcFirstLastPara="0" vert="horz" wrap="square" lIns="192024" tIns="109728" rIns="192024" bIns="109728" numCol="1" spcCol="1270" anchor="ctr" anchorCtr="0">
+        <a:bodyPr spcFirstLastPara="0" vert="horz" wrap="square" lIns="199136" tIns="113792" rIns="199136" bIns="113792" numCol="1" spcCol="1270" anchor="ctr" anchorCtr="0">
           <a:noAutofit/>
         </a:bodyPr>
         <a:lstStyle/>
         <a:p>
-          <a:pPr marL="0" lvl="0" indent="0" algn="ctr" defTabSz="1200150">
+          <a:pPr marL="0" lvl="0" indent="0" algn="ctr" defTabSz="1244600">
             <a:lnSpc>
               <a:spcPct val="90000"/>
             </a:lnSpc>
@@ -5568,14 +6096,17 @@
             <a:buNone/>
           </a:pPr>
           <a:r>
-            <a:rPr lang="en-US" sz="2700" kern="1200"/>
+            <a:rPr lang="en-US" sz="2800" kern="1200" dirty="0">
+              <a:latin typeface="Times New Roman" panose="02020603050405020304" pitchFamily="18" charset="0"/>
+              <a:cs typeface="Times New Roman" panose="02020603050405020304" pitchFamily="18" charset="0"/>
+            </a:rPr>
             <a:t>Original code performance</a:t>
           </a:r>
         </a:p>
       </dsp:txBody>
       <dsp:txXfrm>
-        <a:off x="51" y="82224"/>
-        <a:ext cx="4913783" cy="777600"/>
+        <a:off x="51" y="6320"/>
+        <a:ext cx="4913783" cy="1468800"/>
       </dsp:txXfrm>
     </dsp:sp>
     <dsp:sp modelId="{E80AF4A4-FDFE-4EA9-8D42-164DD80D0024}">
@@ -5585,8 +6116,8 @@
       </dsp:nvSpPr>
       <dsp:spPr>
         <a:xfrm>
-          <a:off x="51" y="859824"/>
-          <a:ext cx="4913783" cy="3409289"/>
+          <a:off x="51" y="1475120"/>
+          <a:ext cx="4913783" cy="2869897"/>
         </a:xfrm>
         <a:prstGeom prst="rect">
           <a:avLst/>
@@ -5630,12 +6161,12 @@
         <a:fontRef idx="minor"/>
       </dsp:style>
       <dsp:txBody>
-        <a:bodyPr spcFirstLastPara="0" vert="horz" wrap="square" lIns="144018" tIns="144018" rIns="192024" bIns="216027" numCol="1" spcCol="1270" anchor="t" anchorCtr="0">
+        <a:bodyPr spcFirstLastPara="0" vert="horz" wrap="square" lIns="128016" tIns="128016" rIns="170688" bIns="192024" numCol="1" spcCol="1270" anchor="t" anchorCtr="0">
           <a:noAutofit/>
         </a:bodyPr>
         <a:lstStyle/>
         <a:p>
-          <a:pPr marL="228600" lvl="1" indent="-228600" algn="l" defTabSz="1200150">
+          <a:pPr marL="228600" lvl="1" indent="-228600" algn="l" defTabSz="1066800">
             <a:lnSpc>
               <a:spcPct val="90000"/>
             </a:lnSpc>
@@ -5648,17 +6179,26 @@
             <a:buChar char="•"/>
           </a:pPr>
           <a:r>
-            <a:rPr lang="en-US" sz="2700" kern="1200" dirty="0"/>
+            <a:rPr lang="en-US" sz="2400" kern="1200" dirty="0">
+              <a:latin typeface="Times New Roman" panose="02020603050405020304" pitchFamily="18" charset="0"/>
+              <a:cs typeface="Times New Roman" panose="02020603050405020304" pitchFamily="18" charset="0"/>
+            </a:rPr>
             <a:t>Sequence: </a:t>
           </a:r>
           <a:r>
-            <a:rPr lang="en-US" sz="2700" b="1" kern="1200" dirty="0"/>
+            <a:rPr lang="en-US" sz="2400" b="1" kern="1200" dirty="0">
+              <a:latin typeface="Times New Roman" panose="02020603050405020304" pitchFamily="18" charset="0"/>
+              <a:cs typeface="Times New Roman" panose="02020603050405020304" pitchFamily="18" charset="0"/>
+            </a:rPr>
             <a:t>ATGATG</a:t>
           </a:r>
-          <a:endParaRPr lang="en-US" sz="2700" kern="1200" dirty="0"/>
+          <a:endParaRPr lang="en-US" sz="2400" kern="1200" dirty="0">
+            <a:latin typeface="Times New Roman" panose="02020603050405020304" pitchFamily="18" charset="0"/>
+            <a:cs typeface="Times New Roman" panose="02020603050405020304" pitchFamily="18" charset="0"/>
+          </a:endParaRPr>
         </a:p>
         <a:p>
-          <a:pPr marL="457200" lvl="2" indent="-228600" algn="l" defTabSz="1200150">
+          <a:pPr marL="457200" lvl="2" indent="-228600" algn="l" defTabSz="1066800">
             <a:lnSpc>
               <a:spcPct val="90000"/>
             </a:lnSpc>
@@ -5671,20 +6211,29 @@
             <a:buChar char="•"/>
           </a:pPr>
           <a:r>
-            <a:rPr lang="en-US" sz="2700" kern="1200" dirty="0"/>
+            <a:rPr lang="en-US" sz="2400" kern="1200" dirty="0">
+              <a:latin typeface="Times New Roman" panose="02020603050405020304" pitchFamily="18" charset="0"/>
+              <a:cs typeface="Times New Roman" panose="02020603050405020304" pitchFamily="18" charset="0"/>
+            </a:rPr>
             <a:t>Execution time [</a:t>
           </a:r>
           <a:r>
-            <a:rPr lang="en-US" sz="2700" i="1" kern="1200" dirty="0"/>
+            <a:rPr lang="en-US" sz="2400" i="1" kern="1200" dirty="0">
+              <a:latin typeface="Times New Roman" panose="02020603050405020304" pitchFamily="18" charset="0"/>
+              <a:cs typeface="Times New Roman" panose="02020603050405020304" pitchFamily="18" charset="0"/>
+            </a:rPr>
             <a:t>s</a:t>
           </a:r>
           <a:r>
-            <a:rPr lang="en-US" sz="2700" kern="1200" dirty="0"/>
+            <a:rPr lang="en-US" sz="2400" kern="1200" dirty="0">
+              <a:latin typeface="Times New Roman" panose="02020603050405020304" pitchFamily="18" charset="0"/>
+              <a:cs typeface="Times New Roman" panose="02020603050405020304" pitchFamily="18" charset="0"/>
+            </a:rPr>
             <a:t>]: 5.328</a:t>
           </a:r>
         </a:p>
         <a:p>
-          <a:pPr marL="228600" lvl="1" indent="-228600" algn="l" defTabSz="1200150">
+          <a:pPr marL="228600" lvl="1" indent="-228600" algn="l" defTabSz="1066800">
             <a:lnSpc>
               <a:spcPct val="90000"/>
             </a:lnSpc>
@@ -5697,17 +6246,26 @@
             <a:buChar char="•"/>
           </a:pPr>
           <a:r>
-            <a:rPr lang="en-US" sz="2700" kern="1200" dirty="0"/>
+            <a:rPr lang="en-US" sz="2400" kern="1200" dirty="0">
+              <a:latin typeface="Times New Roman" panose="02020603050405020304" pitchFamily="18" charset="0"/>
+              <a:cs typeface="Times New Roman" panose="02020603050405020304" pitchFamily="18" charset="0"/>
+            </a:rPr>
             <a:t>Sequence: </a:t>
           </a:r>
           <a:r>
-            <a:rPr lang="en-US" sz="2700" b="1" kern="1200" dirty="0"/>
+            <a:rPr lang="en-US" sz="2400" b="1" kern="1200" dirty="0">
+              <a:latin typeface="Times New Roman" panose="02020603050405020304" pitchFamily="18" charset="0"/>
+              <a:cs typeface="Times New Roman" panose="02020603050405020304" pitchFamily="18" charset="0"/>
+            </a:rPr>
             <a:t>CTCTCTA</a:t>
           </a:r>
-          <a:endParaRPr lang="en-US" sz="2700" kern="1200" dirty="0"/>
+          <a:endParaRPr lang="en-US" sz="2400" kern="1200" dirty="0">
+            <a:latin typeface="Times New Roman" panose="02020603050405020304" pitchFamily="18" charset="0"/>
+            <a:cs typeface="Times New Roman" panose="02020603050405020304" pitchFamily="18" charset="0"/>
+          </a:endParaRPr>
         </a:p>
         <a:p>
-          <a:pPr marL="457200" lvl="2" indent="-228600" algn="l" defTabSz="1200150">
+          <a:pPr marL="457200" lvl="2" indent="-228600" algn="l" defTabSz="1066800">
             <a:lnSpc>
               <a:spcPct val="90000"/>
             </a:lnSpc>
@@ -5720,20 +6278,29 @@
             <a:buChar char="•"/>
           </a:pPr>
           <a:r>
-            <a:rPr lang="en-US" sz="2700" kern="1200" dirty="0"/>
+            <a:rPr lang="en-US" sz="2400" kern="1200" dirty="0">
+              <a:latin typeface="Times New Roman" panose="02020603050405020304" pitchFamily="18" charset="0"/>
+              <a:cs typeface="Times New Roman" panose="02020603050405020304" pitchFamily="18" charset="0"/>
+            </a:rPr>
             <a:t>Execution time [</a:t>
           </a:r>
           <a:r>
-            <a:rPr lang="en-US" sz="2700" i="1" kern="1200" dirty="0"/>
+            <a:rPr lang="en-US" sz="2400" i="1" kern="1200" dirty="0">
+              <a:latin typeface="Times New Roman" panose="02020603050405020304" pitchFamily="18" charset="0"/>
+              <a:cs typeface="Times New Roman" panose="02020603050405020304" pitchFamily="18" charset="0"/>
+            </a:rPr>
             <a:t>s</a:t>
           </a:r>
           <a:r>
-            <a:rPr lang="en-US" sz="2700" kern="1200" dirty="0"/>
+            <a:rPr lang="en-US" sz="2400" kern="1200" dirty="0">
+              <a:latin typeface="Times New Roman" panose="02020603050405020304" pitchFamily="18" charset="0"/>
+              <a:cs typeface="Times New Roman" panose="02020603050405020304" pitchFamily="18" charset="0"/>
+            </a:rPr>
             <a:t>]: 15.203</a:t>
           </a:r>
         </a:p>
         <a:p>
-          <a:pPr marL="228600" lvl="1" indent="-228600" algn="l" defTabSz="1200150">
+          <a:pPr marL="228600" lvl="1" indent="-228600" algn="l" defTabSz="1066800">
             <a:lnSpc>
               <a:spcPct val="90000"/>
             </a:lnSpc>
@@ -5746,17 +6313,26 @@
             <a:buChar char="•"/>
           </a:pPr>
           <a:r>
-            <a:rPr lang="en-US" sz="2700" kern="1200" dirty="0"/>
+            <a:rPr lang="en-US" sz="2400" kern="1200" dirty="0">
+              <a:latin typeface="Times New Roman" panose="02020603050405020304" pitchFamily="18" charset="0"/>
+              <a:cs typeface="Times New Roman" panose="02020603050405020304" pitchFamily="18" charset="0"/>
+            </a:rPr>
             <a:t>Sequence: </a:t>
           </a:r>
           <a:r>
-            <a:rPr lang="en-US" sz="2700" b="1" kern="1200" dirty="0"/>
+            <a:rPr lang="en-US" sz="2400" b="1" kern="1200" dirty="0">
+              <a:latin typeface="Times New Roman" panose="02020603050405020304" pitchFamily="18" charset="0"/>
+              <a:cs typeface="Times New Roman" panose="02020603050405020304" pitchFamily="18" charset="0"/>
+            </a:rPr>
             <a:t>TCACTACTCTCA</a:t>
           </a:r>
-          <a:endParaRPr lang="en-US" sz="2700" kern="1200" dirty="0"/>
+          <a:endParaRPr lang="en-US" sz="2400" kern="1200" dirty="0">
+            <a:latin typeface="Times New Roman" panose="02020603050405020304" pitchFamily="18" charset="0"/>
+            <a:cs typeface="Times New Roman" panose="02020603050405020304" pitchFamily="18" charset="0"/>
+          </a:endParaRPr>
         </a:p>
         <a:p>
-          <a:pPr marL="457200" lvl="2" indent="-228600" algn="l" defTabSz="1200150">
+          <a:pPr marL="457200" lvl="2" indent="-228600" algn="l" defTabSz="1066800">
             <a:lnSpc>
               <a:spcPct val="90000"/>
             </a:lnSpc>
@@ -5769,20 +6345,29 @@
             <a:buChar char="•"/>
           </a:pPr>
           <a:r>
-            <a:rPr lang="en-US" sz="2700" kern="1200" dirty="0"/>
+            <a:rPr lang="en-US" sz="2400" kern="1200" dirty="0">
+              <a:latin typeface="Times New Roman" panose="02020603050405020304" pitchFamily="18" charset="0"/>
+              <a:cs typeface="Times New Roman" panose="02020603050405020304" pitchFamily="18" charset="0"/>
+            </a:rPr>
             <a:t>Execution time [</a:t>
           </a:r>
           <a:r>
-            <a:rPr lang="en-US" sz="2700" i="1" kern="1200" dirty="0"/>
+            <a:rPr lang="en-US" sz="2400" i="1" kern="1200" dirty="0">
+              <a:latin typeface="Times New Roman" panose="02020603050405020304" pitchFamily="18" charset="0"/>
+              <a:cs typeface="Times New Roman" panose="02020603050405020304" pitchFamily="18" charset="0"/>
+            </a:rPr>
             <a:t>s</a:t>
           </a:r>
           <a:r>
-            <a:rPr lang="en-US" sz="2700" kern="1200" dirty="0"/>
+            <a:rPr lang="en-US" sz="2400" kern="1200" dirty="0">
+              <a:latin typeface="Times New Roman" panose="02020603050405020304" pitchFamily="18" charset="0"/>
+              <a:cs typeface="Times New Roman" panose="02020603050405020304" pitchFamily="18" charset="0"/>
+            </a:rPr>
             <a:t>]: 10.8</a:t>
           </a:r>
         </a:p>
         <a:p>
-          <a:pPr marL="228600" lvl="1" indent="-228600" algn="l" defTabSz="1200150">
+          <a:pPr marL="228600" lvl="1" indent="-228600" algn="l" defTabSz="1066800">
             <a:lnSpc>
               <a:spcPct val="90000"/>
             </a:lnSpc>
@@ -5795,22 +6380,31 @@
             <a:buChar char="•"/>
           </a:pPr>
           <a:r>
-            <a:rPr lang="en-US" sz="2700" kern="1200" dirty="0"/>
+            <a:rPr lang="en-US" sz="2400" kern="1200" dirty="0">
+              <a:latin typeface="Times New Roman" panose="02020603050405020304" pitchFamily="18" charset="0"/>
+              <a:cs typeface="Times New Roman" panose="02020603050405020304" pitchFamily="18" charset="0"/>
+            </a:rPr>
             <a:t>Memory usage [</a:t>
           </a:r>
           <a:r>
-            <a:rPr lang="en-US" sz="2700" i="1" kern="1200" dirty="0"/>
+            <a:rPr lang="en-US" sz="2400" i="1" kern="1200" dirty="0">
+              <a:latin typeface="Times New Roman" panose="02020603050405020304" pitchFamily="18" charset="0"/>
+              <a:cs typeface="Times New Roman" panose="02020603050405020304" pitchFamily="18" charset="0"/>
+            </a:rPr>
             <a:t>MB</a:t>
           </a:r>
           <a:r>
-            <a:rPr lang="en-US" sz="2700" kern="1200" dirty="0"/>
+            <a:rPr lang="en-US" sz="2400" kern="1200" dirty="0">
+              <a:latin typeface="Times New Roman" panose="02020603050405020304" pitchFamily="18" charset="0"/>
+              <a:cs typeface="Times New Roman" panose="02020603050405020304" pitchFamily="18" charset="0"/>
+            </a:rPr>
             <a:t>]: 5685.00</a:t>
           </a:r>
         </a:p>
       </dsp:txBody>
       <dsp:txXfrm>
-        <a:off x="51" y="859824"/>
-        <a:ext cx="4913783" cy="3409289"/>
+        <a:off x="51" y="1475120"/>
+        <a:ext cx="4913783" cy="2869897"/>
       </dsp:txXfrm>
     </dsp:sp>
     <dsp:sp modelId="{78A71D64-5064-4E03-BF4A-B6C218769E1D}">
@@ -5820,8 +6414,8 @@
       </dsp:nvSpPr>
       <dsp:spPr>
         <a:xfrm>
-          <a:off x="5601764" y="82224"/>
-          <a:ext cx="4913783" cy="777600"/>
+          <a:off x="5601764" y="6320"/>
+          <a:ext cx="4913783" cy="1468800"/>
         </a:xfrm>
         <a:prstGeom prst="rect">
           <a:avLst/>
@@ -5863,12 +6457,12 @@
         </a:fontRef>
       </dsp:style>
       <dsp:txBody>
-        <a:bodyPr spcFirstLastPara="0" vert="horz" wrap="square" lIns="192024" tIns="109728" rIns="192024" bIns="109728" numCol="1" spcCol="1270" anchor="ctr" anchorCtr="0">
+        <a:bodyPr spcFirstLastPara="0" vert="horz" wrap="square" lIns="199136" tIns="113792" rIns="199136" bIns="113792" numCol="1" spcCol="1270" anchor="ctr" anchorCtr="0">
           <a:noAutofit/>
         </a:bodyPr>
         <a:lstStyle/>
         <a:p>
-          <a:pPr marL="0" lvl="0" indent="0" algn="ctr" defTabSz="1200150">
+          <a:pPr marL="0" lvl="0" indent="0" algn="ctr" defTabSz="1244600">
             <a:lnSpc>
               <a:spcPct val="90000"/>
             </a:lnSpc>
@@ -5881,14 +6475,17 @@
             <a:buNone/>
           </a:pPr>
           <a:r>
-            <a:rPr lang="en-US" sz="2700" kern="1200"/>
+            <a:rPr lang="en-US" sz="2800" kern="1200" dirty="0">
+              <a:latin typeface="Times New Roman" panose="02020603050405020304" pitchFamily="18" charset="0"/>
+              <a:cs typeface="Times New Roman" panose="02020603050405020304" pitchFamily="18" charset="0"/>
+            </a:rPr>
             <a:t>Optimized code performance</a:t>
           </a:r>
         </a:p>
       </dsp:txBody>
       <dsp:txXfrm>
-        <a:off x="5601764" y="82224"/>
-        <a:ext cx="4913783" cy="777600"/>
+        <a:off x="5601764" y="6320"/>
+        <a:ext cx="4913783" cy="1468800"/>
       </dsp:txXfrm>
     </dsp:sp>
     <dsp:sp modelId="{BD5DBD13-7047-4D09-9A4E-7781DF6C971E}">
@@ -5898,8 +6495,8 @@
       </dsp:nvSpPr>
       <dsp:spPr>
         <a:xfrm>
-          <a:off x="5601764" y="859824"/>
-          <a:ext cx="4913783" cy="3409289"/>
+          <a:off x="5601764" y="1475120"/>
+          <a:ext cx="4913783" cy="2869897"/>
         </a:xfrm>
         <a:prstGeom prst="rect">
           <a:avLst/>
@@ -5943,12 +6540,12 @@
         <a:fontRef idx="minor"/>
       </dsp:style>
       <dsp:txBody>
-        <a:bodyPr spcFirstLastPara="0" vert="horz" wrap="square" lIns="144018" tIns="144018" rIns="192024" bIns="216027" numCol="1" spcCol="1270" anchor="t" anchorCtr="0">
+        <a:bodyPr spcFirstLastPara="0" vert="horz" wrap="square" lIns="128016" tIns="128016" rIns="170688" bIns="192024" numCol="1" spcCol="1270" anchor="t" anchorCtr="0">
           <a:noAutofit/>
         </a:bodyPr>
         <a:lstStyle/>
         <a:p>
-          <a:pPr marL="228600" lvl="1" indent="-228600" algn="l" defTabSz="1200150">
+          <a:pPr marL="228600" lvl="1" indent="-228600" algn="l" defTabSz="1066800">
             <a:lnSpc>
               <a:spcPct val="90000"/>
             </a:lnSpc>
@@ -5961,17 +6558,26 @@
             <a:buChar char="•"/>
           </a:pPr>
           <a:r>
-            <a:rPr lang="en-US" sz="2700" kern="1200" dirty="0"/>
+            <a:rPr lang="en-US" sz="2400" kern="1200" dirty="0">
+              <a:latin typeface="Times New Roman" panose="02020603050405020304" pitchFamily="18" charset="0"/>
+              <a:cs typeface="Times New Roman" panose="02020603050405020304" pitchFamily="18" charset="0"/>
+            </a:rPr>
             <a:t>Sequence: </a:t>
           </a:r>
           <a:r>
-            <a:rPr lang="en-US" sz="2700" b="1" kern="1200" dirty="0"/>
+            <a:rPr lang="en-US" sz="2400" b="1" kern="1200" dirty="0">
+              <a:latin typeface="Times New Roman" panose="02020603050405020304" pitchFamily="18" charset="0"/>
+              <a:cs typeface="Times New Roman" panose="02020603050405020304" pitchFamily="18" charset="0"/>
+            </a:rPr>
             <a:t>ATGATG</a:t>
           </a:r>
-          <a:endParaRPr lang="en-US" sz="2700" kern="1200" dirty="0"/>
+          <a:endParaRPr lang="en-US" sz="2400" kern="1200" dirty="0">
+            <a:latin typeface="Times New Roman" panose="02020603050405020304" pitchFamily="18" charset="0"/>
+            <a:cs typeface="Times New Roman" panose="02020603050405020304" pitchFamily="18" charset="0"/>
+          </a:endParaRPr>
         </a:p>
         <a:p>
-          <a:pPr marL="457200" lvl="2" indent="-228600" algn="l" defTabSz="1200150">
+          <a:pPr marL="457200" lvl="2" indent="-228600" algn="l" defTabSz="1066800">
             <a:lnSpc>
               <a:spcPct val="90000"/>
             </a:lnSpc>
@@ -5984,20 +6590,29 @@
             <a:buChar char="•"/>
           </a:pPr>
           <a:r>
-            <a:rPr lang="en-US" sz="2700" kern="1200" dirty="0"/>
+            <a:rPr lang="en-US" sz="2400" kern="1200" dirty="0">
+              <a:latin typeface="Times New Roman" panose="02020603050405020304" pitchFamily="18" charset="0"/>
+              <a:cs typeface="Times New Roman" panose="02020603050405020304" pitchFamily="18" charset="0"/>
+            </a:rPr>
             <a:t>Execution time [</a:t>
           </a:r>
           <a:r>
-            <a:rPr lang="en-US" sz="2700" i="1" kern="1200" dirty="0"/>
+            <a:rPr lang="en-US" sz="2400" i="1" kern="1200" dirty="0">
+              <a:latin typeface="Times New Roman" panose="02020603050405020304" pitchFamily="18" charset="0"/>
+              <a:cs typeface="Times New Roman" panose="02020603050405020304" pitchFamily="18" charset="0"/>
+            </a:rPr>
             <a:t>s</a:t>
           </a:r>
           <a:r>
-            <a:rPr lang="en-US" sz="2700" kern="1200" dirty="0"/>
+            <a:rPr lang="en-US" sz="2400" kern="1200" dirty="0">
+              <a:latin typeface="Times New Roman" panose="02020603050405020304" pitchFamily="18" charset="0"/>
+              <a:cs typeface="Times New Roman" panose="02020603050405020304" pitchFamily="18" charset="0"/>
+            </a:rPr>
             <a:t>]: 4.203</a:t>
           </a:r>
         </a:p>
         <a:p>
-          <a:pPr marL="228600" lvl="1" indent="-228600" algn="l" defTabSz="1200150">
+          <a:pPr marL="228600" lvl="1" indent="-228600" algn="l" defTabSz="1066800">
             <a:lnSpc>
               <a:spcPct val="90000"/>
             </a:lnSpc>
@@ -6010,17 +6625,26 @@
             <a:buChar char="•"/>
           </a:pPr>
           <a:r>
-            <a:rPr lang="en-US" sz="2700" kern="1200" dirty="0"/>
+            <a:rPr lang="en-US" sz="2400" kern="1200" dirty="0">
+              <a:latin typeface="Times New Roman" panose="02020603050405020304" pitchFamily="18" charset="0"/>
+              <a:cs typeface="Times New Roman" panose="02020603050405020304" pitchFamily="18" charset="0"/>
+            </a:rPr>
             <a:t>Sequence: </a:t>
           </a:r>
           <a:r>
-            <a:rPr lang="en-US" sz="2700" b="1" kern="1200" dirty="0"/>
+            <a:rPr lang="en-US" sz="2400" b="1" kern="1200" dirty="0">
+              <a:latin typeface="Times New Roman" panose="02020603050405020304" pitchFamily="18" charset="0"/>
+              <a:cs typeface="Times New Roman" panose="02020603050405020304" pitchFamily="18" charset="0"/>
+            </a:rPr>
             <a:t>CTCTCTA</a:t>
           </a:r>
-          <a:endParaRPr lang="en-US" sz="2700" kern="1200" dirty="0"/>
+          <a:endParaRPr lang="en-US" sz="2400" kern="1200" dirty="0">
+            <a:latin typeface="Times New Roman" panose="02020603050405020304" pitchFamily="18" charset="0"/>
+            <a:cs typeface="Times New Roman" panose="02020603050405020304" pitchFamily="18" charset="0"/>
+          </a:endParaRPr>
         </a:p>
         <a:p>
-          <a:pPr marL="457200" lvl="2" indent="-228600" algn="l" defTabSz="1200150">
+          <a:pPr marL="457200" lvl="2" indent="-228600" algn="l" defTabSz="1066800">
             <a:lnSpc>
               <a:spcPct val="90000"/>
             </a:lnSpc>
@@ -6033,20 +6657,29 @@
             <a:buChar char="•"/>
           </a:pPr>
           <a:r>
-            <a:rPr lang="en-US" sz="2700" kern="1200" dirty="0"/>
+            <a:rPr lang="en-US" sz="2400" kern="1200" dirty="0">
+              <a:latin typeface="Times New Roman" panose="02020603050405020304" pitchFamily="18" charset="0"/>
+              <a:cs typeface="Times New Roman" panose="02020603050405020304" pitchFamily="18" charset="0"/>
+            </a:rPr>
             <a:t>Execution time [</a:t>
           </a:r>
           <a:r>
-            <a:rPr lang="en-US" sz="2700" i="1" kern="1200" dirty="0"/>
+            <a:rPr lang="en-US" sz="2400" i="1" kern="1200" dirty="0">
+              <a:latin typeface="Times New Roman" panose="02020603050405020304" pitchFamily="18" charset="0"/>
+              <a:cs typeface="Times New Roman" panose="02020603050405020304" pitchFamily="18" charset="0"/>
+            </a:rPr>
             <a:t>s</a:t>
           </a:r>
           <a:r>
-            <a:rPr lang="en-US" sz="2700" kern="1200" dirty="0"/>
+            <a:rPr lang="en-US" sz="2400" kern="1200" dirty="0">
+              <a:latin typeface="Times New Roman" panose="02020603050405020304" pitchFamily="18" charset="0"/>
+              <a:cs typeface="Times New Roman" panose="02020603050405020304" pitchFamily="18" charset="0"/>
+            </a:rPr>
             <a:t>]: 3.969</a:t>
           </a:r>
         </a:p>
         <a:p>
-          <a:pPr marL="228600" lvl="1" indent="-228600" algn="l" defTabSz="1200150">
+          <a:pPr marL="228600" lvl="1" indent="-228600" algn="l" defTabSz="1066800">
             <a:lnSpc>
               <a:spcPct val="90000"/>
             </a:lnSpc>
@@ -6059,17 +6692,26 @@
             <a:buChar char="•"/>
           </a:pPr>
           <a:r>
-            <a:rPr lang="en-US" sz="2700" kern="1200" dirty="0"/>
+            <a:rPr lang="en-US" sz="2400" kern="1200" dirty="0">
+              <a:latin typeface="Times New Roman" panose="02020603050405020304" pitchFamily="18" charset="0"/>
+              <a:cs typeface="Times New Roman" panose="02020603050405020304" pitchFamily="18" charset="0"/>
+            </a:rPr>
             <a:t>Sequence: </a:t>
           </a:r>
           <a:r>
-            <a:rPr lang="en-US" sz="2700" b="1" kern="1200" dirty="0"/>
+            <a:rPr lang="en-US" sz="2400" b="1" kern="1200" dirty="0">
+              <a:latin typeface="Times New Roman" panose="02020603050405020304" pitchFamily="18" charset="0"/>
+              <a:cs typeface="Times New Roman" panose="02020603050405020304" pitchFamily="18" charset="0"/>
+            </a:rPr>
             <a:t>TCACTACTCTCA</a:t>
           </a:r>
-          <a:endParaRPr lang="en-US" sz="2700" kern="1200" dirty="0"/>
+          <a:endParaRPr lang="en-US" sz="2400" kern="1200" dirty="0">
+            <a:latin typeface="Times New Roman" panose="02020603050405020304" pitchFamily="18" charset="0"/>
+            <a:cs typeface="Times New Roman" panose="02020603050405020304" pitchFamily="18" charset="0"/>
+          </a:endParaRPr>
         </a:p>
         <a:p>
-          <a:pPr marL="457200" lvl="2" indent="-228600" algn="l" defTabSz="1200150">
+          <a:pPr marL="457200" lvl="2" indent="-228600" algn="l" defTabSz="1066800">
             <a:lnSpc>
               <a:spcPct val="90000"/>
             </a:lnSpc>
@@ -6082,20 +6724,29 @@
             <a:buChar char="•"/>
           </a:pPr>
           <a:r>
-            <a:rPr lang="en-US" sz="2700" kern="1200" dirty="0"/>
+            <a:rPr lang="en-US" sz="2400" kern="1200" dirty="0">
+              <a:latin typeface="Times New Roman" panose="02020603050405020304" pitchFamily="18" charset="0"/>
+              <a:cs typeface="Times New Roman" panose="02020603050405020304" pitchFamily="18" charset="0"/>
+            </a:rPr>
             <a:t>Execution time [</a:t>
           </a:r>
           <a:r>
-            <a:rPr lang="en-US" sz="2700" i="1" kern="1200" dirty="0"/>
+            <a:rPr lang="en-US" sz="2400" i="1" kern="1200" dirty="0">
+              <a:latin typeface="Times New Roman" panose="02020603050405020304" pitchFamily="18" charset="0"/>
+              <a:cs typeface="Times New Roman" panose="02020603050405020304" pitchFamily="18" charset="0"/>
+            </a:rPr>
             <a:t>s</a:t>
           </a:r>
           <a:r>
-            <a:rPr lang="en-US" sz="2700" kern="1200" dirty="0"/>
+            <a:rPr lang="en-US" sz="2400" kern="1200" dirty="0">
+              <a:latin typeface="Times New Roman" panose="02020603050405020304" pitchFamily="18" charset="0"/>
+              <a:cs typeface="Times New Roman" panose="02020603050405020304" pitchFamily="18" charset="0"/>
+            </a:rPr>
             <a:t>]: 0.0</a:t>
           </a:r>
         </a:p>
         <a:p>
-          <a:pPr marL="228600" lvl="1" indent="-228600" algn="l" defTabSz="1200150">
+          <a:pPr marL="228600" lvl="1" indent="-228600" algn="l" defTabSz="1066800">
             <a:lnSpc>
               <a:spcPct val="90000"/>
             </a:lnSpc>
@@ -6108,22 +6759,31 @@
             <a:buChar char="•"/>
           </a:pPr>
           <a:r>
-            <a:rPr lang="en-US" sz="2700" kern="1200" dirty="0"/>
+            <a:rPr lang="en-US" sz="2400" kern="1200" dirty="0">
+              <a:latin typeface="Times New Roman" panose="02020603050405020304" pitchFamily="18" charset="0"/>
+              <a:cs typeface="Times New Roman" panose="02020603050405020304" pitchFamily="18" charset="0"/>
+            </a:rPr>
             <a:t>Memory usage [</a:t>
           </a:r>
           <a:r>
-            <a:rPr lang="en-US" sz="2700" i="1" kern="1200" dirty="0"/>
+            <a:rPr lang="en-US" sz="2400" i="1" kern="1200" dirty="0">
+              <a:latin typeface="Times New Roman" panose="02020603050405020304" pitchFamily="18" charset="0"/>
+              <a:cs typeface="Times New Roman" panose="02020603050405020304" pitchFamily="18" charset="0"/>
+            </a:rPr>
             <a:t>MB</a:t>
           </a:r>
           <a:r>
-            <a:rPr lang="en-US" sz="2700" kern="1200" dirty="0"/>
+            <a:rPr lang="en-US" sz="2400" kern="1200" dirty="0">
+              <a:latin typeface="Times New Roman" panose="02020603050405020304" pitchFamily="18" charset="0"/>
+              <a:cs typeface="Times New Roman" panose="02020603050405020304" pitchFamily="18" charset="0"/>
+            </a:rPr>
             <a:t>]: 522.26</a:t>
           </a:r>
         </a:p>
       </dsp:txBody>
       <dsp:txXfrm>
-        <a:off x="5601764" y="859824"/>
-        <a:ext cx="4913783" cy="3409289"/>
+        <a:off x="5601764" y="1475120"/>
+        <a:ext cx="4913783" cy="2869897"/>
       </dsp:txXfrm>
     </dsp:sp>
   </dsp:spTree>
@@ -6145,8 +6805,8 @@
       </dsp:nvSpPr>
       <dsp:spPr>
         <a:xfrm>
-          <a:off x="51" y="82224"/>
-          <a:ext cx="4913783" cy="777600"/>
+          <a:off x="51" y="6320"/>
+          <a:ext cx="4913783" cy="1468800"/>
         </a:xfrm>
         <a:prstGeom prst="rect">
           <a:avLst/>
@@ -6188,12 +6848,12 @@
         </a:fontRef>
       </dsp:style>
       <dsp:txBody>
-        <a:bodyPr spcFirstLastPara="0" vert="horz" wrap="square" lIns="192024" tIns="109728" rIns="192024" bIns="109728" numCol="1" spcCol="1270" anchor="ctr" anchorCtr="0">
+        <a:bodyPr spcFirstLastPara="0" vert="horz" wrap="square" lIns="199136" tIns="113792" rIns="199136" bIns="113792" numCol="1" spcCol="1270" anchor="ctr" anchorCtr="0">
           <a:noAutofit/>
         </a:bodyPr>
         <a:lstStyle/>
         <a:p>
-          <a:pPr marL="0" lvl="0" indent="0" algn="ctr" defTabSz="1200150">
+          <a:pPr marL="0" lvl="0" indent="0" algn="ctr" defTabSz="1244600">
             <a:lnSpc>
               <a:spcPct val="90000"/>
             </a:lnSpc>
@@ -6206,14 +6866,17 @@
             <a:buNone/>
           </a:pPr>
           <a:r>
-            <a:rPr lang="en-US" sz="2700" kern="1200"/>
+            <a:rPr lang="en-US" sz="2800" kern="1200" dirty="0">
+              <a:latin typeface="Times New Roman" panose="02020603050405020304" pitchFamily="18" charset="0"/>
+              <a:cs typeface="Times New Roman" panose="02020603050405020304" pitchFamily="18" charset="0"/>
+            </a:rPr>
             <a:t>Original code performance</a:t>
           </a:r>
         </a:p>
       </dsp:txBody>
       <dsp:txXfrm>
-        <a:off x="51" y="82224"/>
-        <a:ext cx="4913783" cy="777600"/>
+        <a:off x="51" y="6320"/>
+        <a:ext cx="4913783" cy="1468800"/>
       </dsp:txXfrm>
     </dsp:sp>
     <dsp:sp modelId="{E80AF4A4-FDFE-4EA9-8D42-164DD80D0024}">
@@ -6223,8 +6886,8 @@
       </dsp:nvSpPr>
       <dsp:spPr>
         <a:xfrm>
-          <a:off x="51" y="859824"/>
-          <a:ext cx="4913783" cy="3409289"/>
+          <a:off x="51" y="1475120"/>
+          <a:ext cx="4913783" cy="2869897"/>
         </a:xfrm>
         <a:prstGeom prst="rect">
           <a:avLst/>
@@ -6268,12 +6931,12 @@
         <a:fontRef idx="minor"/>
       </dsp:style>
       <dsp:txBody>
-        <a:bodyPr spcFirstLastPara="0" vert="horz" wrap="square" lIns="144018" tIns="144018" rIns="192024" bIns="216027" numCol="1" spcCol="1270" anchor="t" anchorCtr="0">
+        <a:bodyPr spcFirstLastPara="0" vert="horz" wrap="square" lIns="128016" tIns="128016" rIns="170688" bIns="192024" numCol="1" spcCol="1270" anchor="t" anchorCtr="0">
           <a:noAutofit/>
         </a:bodyPr>
         <a:lstStyle/>
         <a:p>
-          <a:pPr marL="228600" lvl="1" indent="-228600" algn="l" defTabSz="1200150">
+          <a:pPr marL="228600" lvl="1" indent="-228600" algn="l" defTabSz="1066800">
             <a:lnSpc>
               <a:spcPct val="90000"/>
             </a:lnSpc>
@@ -6286,17 +6949,26 @@
             <a:buChar char="•"/>
           </a:pPr>
           <a:r>
-            <a:rPr lang="en-US" sz="2700" kern="1200" dirty="0"/>
+            <a:rPr lang="en-US" sz="2400" kern="1200" dirty="0">
+              <a:latin typeface="Times New Roman" panose="02020603050405020304" pitchFamily="18" charset="0"/>
+              <a:cs typeface="Times New Roman" panose="02020603050405020304" pitchFamily="18" charset="0"/>
+            </a:rPr>
             <a:t>Sequence: </a:t>
           </a:r>
           <a:r>
-            <a:rPr lang="en-US" sz="2700" b="1" kern="1200" dirty="0"/>
+            <a:rPr lang="en-US" sz="2400" b="1" kern="1200" dirty="0">
+              <a:latin typeface="Times New Roman" panose="02020603050405020304" pitchFamily="18" charset="0"/>
+              <a:cs typeface="Times New Roman" panose="02020603050405020304" pitchFamily="18" charset="0"/>
+            </a:rPr>
             <a:t>CCAAAGA</a:t>
           </a:r>
-          <a:endParaRPr lang="en-US" sz="2700" kern="1200" dirty="0"/>
+          <a:endParaRPr lang="en-US" sz="2400" kern="1200" dirty="0">
+            <a:latin typeface="Times New Roman" panose="02020603050405020304" pitchFamily="18" charset="0"/>
+            <a:cs typeface="Times New Roman" panose="02020603050405020304" pitchFamily="18" charset="0"/>
+          </a:endParaRPr>
         </a:p>
         <a:p>
-          <a:pPr marL="457200" lvl="2" indent="-228600" algn="l" defTabSz="1200150">
+          <a:pPr marL="457200" lvl="2" indent="-228600" algn="l" defTabSz="1066800">
             <a:lnSpc>
               <a:spcPct val="90000"/>
             </a:lnSpc>
@@ -6309,20 +6981,29 @@
             <a:buChar char="•"/>
           </a:pPr>
           <a:r>
-            <a:rPr lang="en-US" sz="2700" kern="1200" dirty="0"/>
+            <a:rPr lang="en-US" sz="2400" kern="1200" dirty="0">
+              <a:latin typeface="Times New Roman" panose="02020603050405020304" pitchFamily="18" charset="0"/>
+              <a:cs typeface="Times New Roman" panose="02020603050405020304" pitchFamily="18" charset="0"/>
+            </a:rPr>
             <a:t>Execution time [</a:t>
           </a:r>
           <a:r>
-            <a:rPr lang="en-US" sz="2700" i="1" kern="1200" dirty="0"/>
+            <a:rPr lang="en-US" sz="2400" i="1" kern="1200" dirty="0">
+              <a:latin typeface="Times New Roman" panose="02020603050405020304" pitchFamily="18" charset="0"/>
+              <a:cs typeface="Times New Roman" panose="02020603050405020304" pitchFamily="18" charset="0"/>
+            </a:rPr>
             <a:t>s</a:t>
           </a:r>
           <a:r>
-            <a:rPr lang="en-US" sz="2700" kern="1200" dirty="0"/>
+            <a:rPr lang="en-US" sz="2400" kern="1200" dirty="0">
+              <a:latin typeface="Times New Roman" panose="02020603050405020304" pitchFamily="18" charset="0"/>
+              <a:cs typeface="Times New Roman" panose="02020603050405020304" pitchFamily="18" charset="0"/>
+            </a:rPr>
             <a:t>]: 1.234</a:t>
           </a:r>
         </a:p>
         <a:p>
-          <a:pPr marL="228600" lvl="1" indent="-228600" algn="l" defTabSz="1200150">
+          <a:pPr marL="228600" lvl="1" indent="-228600" algn="l" defTabSz="1066800">
             <a:lnSpc>
               <a:spcPct val="90000"/>
             </a:lnSpc>
@@ -6335,17 +7016,26 @@
             <a:buChar char="•"/>
           </a:pPr>
           <a:r>
-            <a:rPr lang="en-US" sz="2700" kern="1200" dirty="0"/>
+            <a:rPr lang="en-US" sz="2400" kern="1200" dirty="0">
+              <a:latin typeface="Times New Roman" panose="02020603050405020304" pitchFamily="18" charset="0"/>
+              <a:cs typeface="Times New Roman" panose="02020603050405020304" pitchFamily="18" charset="0"/>
+            </a:rPr>
             <a:t>Sequence: </a:t>
           </a:r>
           <a:r>
-            <a:rPr lang="en-US" sz="2700" b="1" kern="1200" dirty="0"/>
+            <a:rPr lang="en-US" sz="2400" b="1" kern="1200" dirty="0">
+              <a:latin typeface="Times New Roman" panose="02020603050405020304" pitchFamily="18" charset="0"/>
+              <a:cs typeface="Times New Roman" panose="02020603050405020304" pitchFamily="18" charset="0"/>
+            </a:rPr>
             <a:t>TACATTT</a:t>
           </a:r>
-          <a:endParaRPr lang="en-US" sz="2700" kern="1200" dirty="0"/>
+          <a:endParaRPr lang="en-US" sz="2400" kern="1200" dirty="0">
+            <a:latin typeface="Times New Roman" panose="02020603050405020304" pitchFamily="18" charset="0"/>
+            <a:cs typeface="Times New Roman" panose="02020603050405020304" pitchFamily="18" charset="0"/>
+          </a:endParaRPr>
         </a:p>
         <a:p>
-          <a:pPr marL="457200" lvl="2" indent="-228600" algn="l" defTabSz="1200150">
+          <a:pPr marL="457200" lvl="2" indent="-228600" algn="l" defTabSz="1066800">
             <a:lnSpc>
               <a:spcPct val="90000"/>
             </a:lnSpc>
@@ -6358,20 +7048,29 @@
             <a:buChar char="•"/>
           </a:pPr>
           <a:r>
-            <a:rPr lang="en-US" sz="2700" kern="1200" dirty="0"/>
+            <a:rPr lang="en-US" sz="2400" kern="1200" dirty="0">
+              <a:latin typeface="Times New Roman" panose="02020603050405020304" pitchFamily="18" charset="0"/>
+              <a:cs typeface="Times New Roman" panose="02020603050405020304" pitchFamily="18" charset="0"/>
+            </a:rPr>
             <a:t>Execution time [</a:t>
           </a:r>
           <a:r>
-            <a:rPr lang="en-US" sz="2700" i="1" kern="1200" dirty="0"/>
+            <a:rPr lang="en-US" sz="2400" i="1" kern="1200" dirty="0">
+              <a:latin typeface="Times New Roman" panose="02020603050405020304" pitchFamily="18" charset="0"/>
+              <a:cs typeface="Times New Roman" panose="02020603050405020304" pitchFamily="18" charset="0"/>
+            </a:rPr>
             <a:t>s</a:t>
           </a:r>
           <a:r>
-            <a:rPr lang="en-US" sz="2700" kern="1200" dirty="0"/>
+            <a:rPr lang="en-US" sz="2400" kern="1200" dirty="0">
+              <a:latin typeface="Times New Roman" panose="02020603050405020304" pitchFamily="18" charset="0"/>
+              <a:cs typeface="Times New Roman" panose="02020603050405020304" pitchFamily="18" charset="0"/>
+            </a:rPr>
             <a:t>]: 1.406</a:t>
           </a:r>
         </a:p>
         <a:p>
-          <a:pPr marL="228600" lvl="1" indent="-228600" algn="l" defTabSz="1200150">
+          <a:pPr marL="228600" lvl="1" indent="-228600" algn="l" defTabSz="1066800">
             <a:lnSpc>
               <a:spcPct val="90000"/>
             </a:lnSpc>
@@ -6384,17 +7083,26 @@
             <a:buChar char="•"/>
           </a:pPr>
           <a:r>
-            <a:rPr lang="en-US" sz="2700" kern="1200" dirty="0"/>
+            <a:rPr lang="en-US" sz="2400" kern="1200" dirty="0">
+              <a:latin typeface="Times New Roman" panose="02020603050405020304" pitchFamily="18" charset="0"/>
+              <a:cs typeface="Times New Roman" panose="02020603050405020304" pitchFamily="18" charset="0"/>
+            </a:rPr>
             <a:t>Sequence: </a:t>
           </a:r>
           <a:r>
-            <a:rPr lang="en-US" sz="2700" b="1" kern="1200" dirty="0"/>
+            <a:rPr lang="en-US" sz="2400" b="1" kern="1200" dirty="0">
+              <a:latin typeface="Times New Roman" panose="02020603050405020304" pitchFamily="18" charset="0"/>
+              <a:cs typeface="Times New Roman" panose="02020603050405020304" pitchFamily="18" charset="0"/>
+            </a:rPr>
             <a:t>AGGAAAAAT</a:t>
           </a:r>
-          <a:endParaRPr lang="en-US" sz="2700" kern="1200" dirty="0"/>
+          <a:endParaRPr lang="en-US" sz="2400" kern="1200" dirty="0">
+            <a:latin typeface="Times New Roman" panose="02020603050405020304" pitchFamily="18" charset="0"/>
+            <a:cs typeface="Times New Roman" panose="02020603050405020304" pitchFamily="18" charset="0"/>
+          </a:endParaRPr>
         </a:p>
         <a:p>
-          <a:pPr marL="457200" lvl="2" indent="-228600" algn="l" defTabSz="1200150">
+          <a:pPr marL="457200" lvl="2" indent="-228600" algn="l" defTabSz="1066800">
             <a:lnSpc>
               <a:spcPct val="90000"/>
             </a:lnSpc>
@@ -6407,20 +7115,29 @@
             <a:buChar char="•"/>
           </a:pPr>
           <a:r>
-            <a:rPr lang="en-US" sz="2700" kern="1200" dirty="0"/>
+            <a:rPr lang="en-US" sz="2400" kern="1200" dirty="0">
+              <a:latin typeface="Times New Roman" panose="02020603050405020304" pitchFamily="18" charset="0"/>
+              <a:cs typeface="Times New Roman" panose="02020603050405020304" pitchFamily="18" charset="0"/>
+            </a:rPr>
             <a:t>Execution time [</a:t>
           </a:r>
           <a:r>
-            <a:rPr lang="en-US" sz="2700" i="1" kern="1200" dirty="0"/>
+            <a:rPr lang="en-US" sz="2400" i="1" kern="1200" dirty="0">
+              <a:latin typeface="Times New Roman" panose="02020603050405020304" pitchFamily="18" charset="0"/>
+              <a:cs typeface="Times New Roman" panose="02020603050405020304" pitchFamily="18" charset="0"/>
+            </a:rPr>
             <a:t>s</a:t>
           </a:r>
           <a:r>
-            <a:rPr lang="en-US" sz="2700" kern="1200" dirty="0"/>
+            <a:rPr lang="en-US" sz="2400" kern="1200" dirty="0">
+              <a:latin typeface="Times New Roman" panose="02020603050405020304" pitchFamily="18" charset="0"/>
+              <a:cs typeface="Times New Roman" panose="02020603050405020304" pitchFamily="18" charset="0"/>
+            </a:rPr>
             <a:t>]: 1.156</a:t>
           </a:r>
         </a:p>
         <a:p>
-          <a:pPr marL="228600" lvl="1" indent="-228600" algn="l" defTabSz="1200150">
+          <a:pPr marL="228600" lvl="1" indent="-228600" algn="l" defTabSz="1066800">
             <a:lnSpc>
               <a:spcPct val="90000"/>
             </a:lnSpc>
@@ -6433,22 +7150,31 @@
             <a:buChar char="•"/>
           </a:pPr>
           <a:r>
-            <a:rPr lang="en-US" sz="2700" kern="1200" dirty="0"/>
+            <a:rPr lang="en-US" sz="2400" kern="1200" dirty="0">
+              <a:latin typeface="Times New Roman" panose="02020603050405020304" pitchFamily="18" charset="0"/>
+              <a:cs typeface="Times New Roman" panose="02020603050405020304" pitchFamily="18" charset="0"/>
+            </a:rPr>
             <a:t>Memory usage [</a:t>
           </a:r>
           <a:r>
-            <a:rPr lang="en-US" sz="2700" i="1" kern="1200" dirty="0"/>
+            <a:rPr lang="en-US" sz="2400" i="1" kern="1200" dirty="0">
+              <a:latin typeface="Times New Roman" panose="02020603050405020304" pitchFamily="18" charset="0"/>
+              <a:cs typeface="Times New Roman" panose="02020603050405020304" pitchFamily="18" charset="0"/>
+            </a:rPr>
             <a:t>MB</a:t>
           </a:r>
           <a:r>
-            <a:rPr lang="en-US" sz="2700" kern="1200" dirty="0"/>
+            <a:rPr lang="en-US" sz="2400" kern="1200" dirty="0">
+              <a:latin typeface="Times New Roman" panose="02020603050405020304" pitchFamily="18" charset="0"/>
+              <a:cs typeface="Times New Roman" panose="02020603050405020304" pitchFamily="18" charset="0"/>
+            </a:rPr>
             <a:t>]: 2947.47</a:t>
           </a:r>
         </a:p>
       </dsp:txBody>
       <dsp:txXfrm>
-        <a:off x="51" y="859824"/>
-        <a:ext cx="4913783" cy="3409289"/>
+        <a:off x="51" y="1475120"/>
+        <a:ext cx="4913783" cy="2869897"/>
       </dsp:txXfrm>
     </dsp:sp>
     <dsp:sp modelId="{78A71D64-5064-4E03-BF4A-B6C218769E1D}">
@@ -6458,8 +7184,8 @@
       </dsp:nvSpPr>
       <dsp:spPr>
         <a:xfrm>
-          <a:off x="5601764" y="82224"/>
-          <a:ext cx="4913783" cy="777600"/>
+          <a:off x="5601764" y="6320"/>
+          <a:ext cx="4913783" cy="1468800"/>
         </a:xfrm>
         <a:prstGeom prst="rect">
           <a:avLst/>
@@ -6501,12 +7227,12 @@
         </a:fontRef>
       </dsp:style>
       <dsp:txBody>
-        <a:bodyPr spcFirstLastPara="0" vert="horz" wrap="square" lIns="192024" tIns="109728" rIns="192024" bIns="109728" numCol="1" spcCol="1270" anchor="ctr" anchorCtr="0">
+        <a:bodyPr spcFirstLastPara="0" vert="horz" wrap="square" lIns="199136" tIns="113792" rIns="199136" bIns="113792" numCol="1" spcCol="1270" anchor="ctr" anchorCtr="0">
           <a:noAutofit/>
         </a:bodyPr>
         <a:lstStyle/>
         <a:p>
-          <a:pPr marL="0" lvl="0" indent="0" algn="ctr" defTabSz="1200150">
+          <a:pPr marL="0" lvl="0" indent="0" algn="ctr" defTabSz="1244600">
             <a:lnSpc>
               <a:spcPct val="90000"/>
             </a:lnSpc>
@@ -6519,14 +7245,17 @@
             <a:buNone/>
           </a:pPr>
           <a:r>
-            <a:rPr lang="en-US" sz="2700" kern="1200"/>
+            <a:rPr lang="en-US" sz="2800" kern="1200" dirty="0">
+              <a:latin typeface="Times New Roman" panose="02020603050405020304" pitchFamily="18" charset="0"/>
+              <a:cs typeface="Times New Roman" panose="02020603050405020304" pitchFamily="18" charset="0"/>
+            </a:rPr>
             <a:t>Optimized code performance</a:t>
           </a:r>
         </a:p>
       </dsp:txBody>
       <dsp:txXfrm>
-        <a:off x="5601764" y="82224"/>
-        <a:ext cx="4913783" cy="777600"/>
+        <a:off x="5601764" y="6320"/>
+        <a:ext cx="4913783" cy="1468800"/>
       </dsp:txXfrm>
     </dsp:sp>
     <dsp:sp modelId="{BD5DBD13-7047-4D09-9A4E-7781DF6C971E}">
@@ -6536,8 +7265,8 @@
       </dsp:nvSpPr>
       <dsp:spPr>
         <a:xfrm>
-          <a:off x="5601764" y="859824"/>
-          <a:ext cx="4913783" cy="3409289"/>
+          <a:off x="5601764" y="1475120"/>
+          <a:ext cx="4913783" cy="2869897"/>
         </a:xfrm>
         <a:prstGeom prst="rect">
           <a:avLst/>
@@ -6581,12 +7310,12 @@
         <a:fontRef idx="minor"/>
       </dsp:style>
       <dsp:txBody>
-        <a:bodyPr spcFirstLastPara="0" vert="horz" wrap="square" lIns="144018" tIns="144018" rIns="192024" bIns="216027" numCol="1" spcCol="1270" anchor="t" anchorCtr="0">
+        <a:bodyPr spcFirstLastPara="0" vert="horz" wrap="square" lIns="128016" tIns="128016" rIns="170688" bIns="192024" numCol="1" spcCol="1270" anchor="t" anchorCtr="0">
           <a:noAutofit/>
         </a:bodyPr>
         <a:lstStyle/>
         <a:p>
-          <a:pPr marL="228600" lvl="1" indent="-228600" algn="l" defTabSz="1200150">
+          <a:pPr marL="228600" lvl="1" indent="-228600" algn="l" defTabSz="1066800">
             <a:lnSpc>
               <a:spcPct val="90000"/>
             </a:lnSpc>
@@ -6599,17 +7328,26 @@
             <a:buChar char="•"/>
           </a:pPr>
           <a:r>
-            <a:rPr lang="en-US" sz="2700" kern="1200" dirty="0"/>
+            <a:rPr lang="en-US" sz="2400" kern="1200" dirty="0">
+              <a:latin typeface="Times New Roman" panose="02020603050405020304" pitchFamily="18" charset="0"/>
+              <a:cs typeface="Times New Roman" panose="02020603050405020304" pitchFamily="18" charset="0"/>
+            </a:rPr>
             <a:t>Sequence: </a:t>
           </a:r>
           <a:r>
-            <a:rPr lang="en-US" sz="2700" b="1" kern="1200" dirty="0"/>
+            <a:rPr lang="en-US" sz="2400" b="1" kern="1200" dirty="0">
+              <a:latin typeface="Times New Roman" panose="02020603050405020304" pitchFamily="18" charset="0"/>
+              <a:cs typeface="Times New Roman" panose="02020603050405020304" pitchFamily="18" charset="0"/>
+            </a:rPr>
             <a:t>CCAAAGA</a:t>
           </a:r>
-          <a:endParaRPr lang="en-US" sz="2700" kern="1200" dirty="0"/>
+          <a:endParaRPr lang="en-US" sz="2400" kern="1200" dirty="0">
+            <a:latin typeface="Times New Roman" panose="02020603050405020304" pitchFamily="18" charset="0"/>
+            <a:cs typeface="Times New Roman" panose="02020603050405020304" pitchFamily="18" charset="0"/>
+          </a:endParaRPr>
         </a:p>
         <a:p>
-          <a:pPr marL="457200" lvl="2" indent="-228600" algn="l" defTabSz="1200150">
+          <a:pPr marL="457200" lvl="2" indent="-228600" algn="l" defTabSz="1066800">
             <a:lnSpc>
               <a:spcPct val="90000"/>
             </a:lnSpc>
@@ -6622,20 +7360,29 @@
             <a:buChar char="•"/>
           </a:pPr>
           <a:r>
-            <a:rPr lang="en-US" sz="2700" kern="1200" dirty="0"/>
+            <a:rPr lang="en-US" sz="2400" kern="1200" dirty="0">
+              <a:latin typeface="Times New Roman" panose="02020603050405020304" pitchFamily="18" charset="0"/>
+              <a:cs typeface="Times New Roman" panose="02020603050405020304" pitchFamily="18" charset="0"/>
+            </a:rPr>
             <a:t>Execution time [</a:t>
           </a:r>
           <a:r>
-            <a:rPr lang="en-US" sz="2700" i="1" kern="1200" dirty="0"/>
+            <a:rPr lang="en-US" sz="2400" i="1" kern="1200" dirty="0">
+              <a:latin typeface="Times New Roman" panose="02020603050405020304" pitchFamily="18" charset="0"/>
+              <a:cs typeface="Times New Roman" panose="02020603050405020304" pitchFamily="18" charset="0"/>
+            </a:rPr>
             <a:t>s</a:t>
           </a:r>
           <a:r>
-            <a:rPr lang="en-US" sz="2700" kern="1200" dirty="0"/>
+            <a:rPr lang="en-US" sz="2400" kern="1200" dirty="0">
+              <a:latin typeface="Times New Roman" panose="02020603050405020304" pitchFamily="18" charset="0"/>
+              <a:cs typeface="Times New Roman" panose="02020603050405020304" pitchFamily="18" charset="0"/>
+            </a:rPr>
             <a:t>]: 0.047</a:t>
           </a:r>
         </a:p>
         <a:p>
-          <a:pPr marL="228600" lvl="1" indent="-228600" algn="l" defTabSz="1200150">
+          <a:pPr marL="228600" lvl="1" indent="-228600" algn="l" defTabSz="1066800">
             <a:lnSpc>
               <a:spcPct val="90000"/>
             </a:lnSpc>
@@ -6648,17 +7395,26 @@
             <a:buChar char="•"/>
           </a:pPr>
           <a:r>
-            <a:rPr lang="en-US" sz="2700" kern="1200" dirty="0"/>
+            <a:rPr lang="en-US" sz="2400" kern="1200" dirty="0">
+              <a:latin typeface="Times New Roman" panose="02020603050405020304" pitchFamily="18" charset="0"/>
+              <a:cs typeface="Times New Roman" panose="02020603050405020304" pitchFamily="18" charset="0"/>
+            </a:rPr>
             <a:t>Sequence: </a:t>
           </a:r>
           <a:r>
-            <a:rPr lang="en-US" sz="2700" b="1" kern="1200" dirty="0"/>
+            <a:rPr lang="en-US" sz="2400" b="1" kern="1200" dirty="0">
+              <a:latin typeface="Times New Roman" panose="02020603050405020304" pitchFamily="18" charset="0"/>
+              <a:cs typeface="Times New Roman" panose="02020603050405020304" pitchFamily="18" charset="0"/>
+            </a:rPr>
             <a:t>TACATTT</a:t>
           </a:r>
-          <a:endParaRPr lang="en-US" sz="2700" kern="1200" dirty="0"/>
+          <a:endParaRPr lang="en-US" sz="2400" kern="1200" dirty="0">
+            <a:latin typeface="Times New Roman" panose="02020603050405020304" pitchFamily="18" charset="0"/>
+            <a:cs typeface="Times New Roman" panose="02020603050405020304" pitchFamily="18" charset="0"/>
+          </a:endParaRPr>
         </a:p>
         <a:p>
-          <a:pPr marL="457200" lvl="2" indent="-228600" algn="l" defTabSz="1200150">
+          <a:pPr marL="457200" lvl="2" indent="-228600" algn="l" defTabSz="1066800">
             <a:lnSpc>
               <a:spcPct val="90000"/>
             </a:lnSpc>
@@ -6671,20 +7427,29 @@
             <a:buChar char="•"/>
           </a:pPr>
           <a:r>
-            <a:rPr lang="en-US" sz="2700" kern="1200" dirty="0"/>
+            <a:rPr lang="en-US" sz="2400" kern="1200" dirty="0">
+              <a:latin typeface="Times New Roman" panose="02020603050405020304" pitchFamily="18" charset="0"/>
+              <a:cs typeface="Times New Roman" panose="02020603050405020304" pitchFamily="18" charset="0"/>
+            </a:rPr>
             <a:t>Execution time [</a:t>
           </a:r>
           <a:r>
-            <a:rPr lang="en-US" sz="2700" i="1" kern="1200" dirty="0"/>
+            <a:rPr lang="en-US" sz="2400" i="1" kern="1200" dirty="0">
+              <a:latin typeface="Times New Roman" panose="02020603050405020304" pitchFamily="18" charset="0"/>
+              <a:cs typeface="Times New Roman" panose="02020603050405020304" pitchFamily="18" charset="0"/>
+            </a:rPr>
             <a:t>s</a:t>
           </a:r>
           <a:r>
-            <a:rPr lang="en-US" sz="2700" kern="1200" dirty="0"/>
+            <a:rPr lang="en-US" sz="2400" kern="1200" dirty="0">
+              <a:latin typeface="Times New Roman" panose="02020603050405020304" pitchFamily="18" charset="0"/>
+              <a:cs typeface="Times New Roman" panose="02020603050405020304" pitchFamily="18" charset="0"/>
+            </a:rPr>
             <a:t>]: 0.141</a:t>
           </a:r>
         </a:p>
         <a:p>
-          <a:pPr marL="228600" lvl="1" indent="-228600" algn="l" defTabSz="1200150">
+          <a:pPr marL="228600" lvl="1" indent="-228600" algn="l" defTabSz="1066800">
             <a:lnSpc>
               <a:spcPct val="90000"/>
             </a:lnSpc>
@@ -6697,17 +7462,26 @@
             <a:buChar char="•"/>
           </a:pPr>
           <a:r>
-            <a:rPr lang="en-US" sz="2700" kern="1200" dirty="0"/>
+            <a:rPr lang="en-US" sz="2400" kern="1200" dirty="0">
+              <a:latin typeface="Times New Roman" panose="02020603050405020304" pitchFamily="18" charset="0"/>
+              <a:cs typeface="Times New Roman" panose="02020603050405020304" pitchFamily="18" charset="0"/>
+            </a:rPr>
             <a:t>Sequence: </a:t>
           </a:r>
           <a:r>
-            <a:rPr lang="en-US" sz="2700" b="1" kern="1200" dirty="0"/>
+            <a:rPr lang="en-US" sz="2400" b="1" kern="1200" dirty="0">
+              <a:latin typeface="Times New Roman" panose="02020603050405020304" pitchFamily="18" charset="0"/>
+              <a:cs typeface="Times New Roman" panose="02020603050405020304" pitchFamily="18" charset="0"/>
+            </a:rPr>
             <a:t>AGGAAAAAT</a:t>
           </a:r>
-          <a:endParaRPr lang="en-US" sz="2700" kern="1200" dirty="0"/>
+          <a:endParaRPr lang="en-US" sz="2400" kern="1200" dirty="0">
+            <a:latin typeface="Times New Roman" panose="02020603050405020304" pitchFamily="18" charset="0"/>
+            <a:cs typeface="Times New Roman" panose="02020603050405020304" pitchFamily="18" charset="0"/>
+          </a:endParaRPr>
         </a:p>
         <a:p>
-          <a:pPr marL="457200" lvl="2" indent="-228600" algn="l" defTabSz="1200150">
+          <a:pPr marL="457200" lvl="2" indent="-228600" algn="l" defTabSz="1066800">
             <a:lnSpc>
               <a:spcPct val="90000"/>
             </a:lnSpc>
@@ -6720,20 +7494,29 @@
             <a:buChar char="•"/>
           </a:pPr>
           <a:r>
-            <a:rPr lang="en-US" sz="2700" kern="1200" dirty="0"/>
+            <a:rPr lang="en-US" sz="2400" kern="1200" dirty="0">
+              <a:latin typeface="Times New Roman" panose="02020603050405020304" pitchFamily="18" charset="0"/>
+              <a:cs typeface="Times New Roman" panose="02020603050405020304" pitchFamily="18" charset="0"/>
+            </a:rPr>
             <a:t>Execution time [</a:t>
           </a:r>
           <a:r>
-            <a:rPr lang="en-US" sz="2700" i="1" kern="1200" dirty="0"/>
+            <a:rPr lang="en-US" sz="2400" i="1" kern="1200" dirty="0">
+              <a:latin typeface="Times New Roman" panose="02020603050405020304" pitchFamily="18" charset="0"/>
+              <a:cs typeface="Times New Roman" panose="02020603050405020304" pitchFamily="18" charset="0"/>
+            </a:rPr>
             <a:t>s</a:t>
           </a:r>
           <a:r>
-            <a:rPr lang="en-US" sz="2700" kern="1200" dirty="0"/>
+            <a:rPr lang="en-US" sz="2400" kern="1200" dirty="0">
+              <a:latin typeface="Times New Roman" panose="02020603050405020304" pitchFamily="18" charset="0"/>
+              <a:cs typeface="Times New Roman" panose="02020603050405020304" pitchFamily="18" charset="0"/>
+            </a:rPr>
             <a:t>]: 0.016</a:t>
           </a:r>
         </a:p>
         <a:p>
-          <a:pPr marL="228600" lvl="1" indent="-228600" algn="l" defTabSz="1200150">
+          <a:pPr marL="228600" lvl="1" indent="-228600" algn="l" defTabSz="1066800">
             <a:lnSpc>
               <a:spcPct val="90000"/>
             </a:lnSpc>
@@ -6746,22 +7529,31 @@
             <a:buChar char="•"/>
           </a:pPr>
           <a:r>
-            <a:rPr lang="en-US" sz="2700" kern="1200" dirty="0"/>
+            <a:rPr lang="en-US" sz="2400" kern="1200" dirty="0">
+              <a:latin typeface="Times New Roman" panose="02020603050405020304" pitchFamily="18" charset="0"/>
+              <a:cs typeface="Times New Roman" panose="02020603050405020304" pitchFamily="18" charset="0"/>
+            </a:rPr>
             <a:t>Memory usage [</a:t>
           </a:r>
           <a:r>
-            <a:rPr lang="en-US" sz="2700" i="1" kern="1200" dirty="0"/>
+            <a:rPr lang="en-US" sz="2400" i="1" kern="1200" dirty="0">
+              <a:latin typeface="Times New Roman" panose="02020603050405020304" pitchFamily="18" charset="0"/>
+              <a:cs typeface="Times New Roman" panose="02020603050405020304" pitchFamily="18" charset="0"/>
+            </a:rPr>
             <a:t>MB</a:t>
           </a:r>
           <a:r>
-            <a:rPr lang="en-US" sz="2700" kern="1200" dirty="0"/>
+            <a:rPr lang="en-US" sz="2400" kern="1200" dirty="0">
+              <a:latin typeface="Times New Roman" panose="02020603050405020304" pitchFamily="18" charset="0"/>
+              <a:cs typeface="Times New Roman" panose="02020603050405020304" pitchFamily="18" charset="0"/>
+            </a:rPr>
             <a:t>]: 283.25</a:t>
           </a:r>
         </a:p>
       </dsp:txBody>
       <dsp:txXfrm>
-        <a:off x="5601764" y="859824"/>
-        <a:ext cx="4913783" cy="3409289"/>
+        <a:off x="5601764" y="1475120"/>
+        <a:ext cx="4913783" cy="2869897"/>
       </dsp:txXfrm>
     </dsp:sp>
   </dsp:spTree>
@@ -21534,7 +22326,7 @@
             <p:ph idx="1"/>
             <p:extLst>
               <p:ext uri="{D42A27DB-BD31-4B8C-83A1-F6EECF244321}">
-                <p14:modId xmlns:p14="http://schemas.microsoft.com/office/powerpoint/2010/main" val="3933191659"/>
+                <p14:modId xmlns:p14="http://schemas.microsoft.com/office/powerpoint/2010/main" val="304439085"/>
               </p:ext>
             </p:extLst>
           </p:nvPr>
@@ -21817,7 +22609,7 @@
             <p:ph idx="1"/>
             <p:extLst>
               <p:ext uri="{D42A27DB-BD31-4B8C-83A1-F6EECF244321}">
-                <p14:modId xmlns:p14="http://schemas.microsoft.com/office/powerpoint/2010/main" val="3460489127"/>
+                <p14:modId xmlns:p14="http://schemas.microsoft.com/office/powerpoint/2010/main" val="4087383759"/>
               </p:ext>
             </p:extLst>
           </p:nvPr>
@@ -22100,7 +22892,7 @@
             <p:ph idx="1"/>
             <p:extLst>
               <p:ext uri="{D42A27DB-BD31-4B8C-83A1-F6EECF244321}">
-                <p14:modId xmlns:p14="http://schemas.microsoft.com/office/powerpoint/2010/main" val="2515557185"/>
+                <p14:modId xmlns:p14="http://schemas.microsoft.com/office/powerpoint/2010/main" val="1240830899"/>
               </p:ext>
             </p:extLst>
           </p:nvPr>
@@ -22299,13 +23091,12 @@
           <a:lstStyle/>
           <a:p>
             <a:r>
-              <a:rPr lang="en-US" sz="8000" kern="1200">
+              <a:rPr lang="en-US" sz="8000" kern="1200" dirty="0">
                 <a:solidFill>
                   <a:schemeClr val="bg1"/>
                 </a:solidFill>
-                <a:latin typeface="+mj-lt"/>
-                <a:ea typeface="+mj-ea"/>
-                <a:cs typeface="+mj-cs"/>
+                <a:latin typeface="Times New Roman" panose="02020603050405020304" pitchFamily="18" charset="0"/>
+                <a:cs typeface="Times New Roman" panose="02020603050405020304" pitchFamily="18" charset="0"/>
               </a:rPr>
               <a:t>Questions?</a:t>
             </a:r>

--- a/bwt-and-fm-index.pptx
+++ b/bwt-and-fm-index.pptx
@@ -2701,7 +2701,7 @@
               <a:latin typeface="Times New Roman" panose="02020603050405020304" pitchFamily="18" charset="0"/>
               <a:cs typeface="Times New Roman" panose="02020603050405020304" pitchFamily="18" charset="0"/>
             </a:rPr>
-            <a:t>]: 0.687</a:t>
+            <a:t>]: 0.672</a:t>
           </a:r>
         </a:p>
       </dgm:t>
@@ -2804,7 +2804,7 @@
               <a:latin typeface="Times New Roman" panose="02020603050405020304" pitchFamily="18" charset="0"/>
               <a:cs typeface="Times New Roman" panose="02020603050405020304" pitchFamily="18" charset="0"/>
             </a:rPr>
-            <a:t>]: 0.765</a:t>
+            <a:t>]: 0.672</a:t>
           </a:r>
         </a:p>
       </dgm:t>
@@ -2999,7 +2999,7 @@
               <a:latin typeface="Times New Roman" panose="02020603050405020304" pitchFamily="18" charset="0"/>
               <a:cs typeface="Times New Roman" panose="02020603050405020304" pitchFamily="18" charset="0"/>
             </a:rPr>
-            <a:t>]: 0.047</a:t>
+            <a:t>]: 0.063</a:t>
           </a:r>
         </a:p>
       </dgm:t>
@@ -3525,7 +3525,7 @@
               <a:latin typeface="Times New Roman" panose="02020603050405020304" pitchFamily="18" charset="0"/>
               <a:cs typeface="Times New Roman" panose="02020603050405020304" pitchFamily="18" charset="0"/>
             </a:rPr>
-            <a:t>]: 5.328</a:t>
+            <a:t>]: 5.297</a:t>
           </a:r>
         </a:p>
       </dgm:t>
@@ -3731,7 +3731,7 @@
               <a:latin typeface="Times New Roman" panose="02020603050405020304" pitchFamily="18" charset="0"/>
               <a:cs typeface="Times New Roman" panose="02020603050405020304" pitchFamily="18" charset="0"/>
             </a:rPr>
-            <a:t>]: 10.8</a:t>
+            <a:t>]: 10.828</a:t>
           </a:r>
         </a:p>
       </dgm:t>
@@ -3926,7 +3926,7 @@
               <a:latin typeface="Times New Roman" panose="02020603050405020304" pitchFamily="18" charset="0"/>
               <a:cs typeface="Times New Roman" panose="02020603050405020304" pitchFamily="18" charset="0"/>
             </a:rPr>
-            <a:t>]: 4.203</a:t>
+            <a:t>]: 1.0</a:t>
           </a:r>
         </a:p>
       </dgm:t>
@@ -4029,7 +4029,7 @@
               <a:latin typeface="Times New Roman" panose="02020603050405020304" pitchFamily="18" charset="0"/>
               <a:cs typeface="Times New Roman" panose="02020603050405020304" pitchFamily="18" charset="0"/>
             </a:rPr>
-            <a:t>]: 3.969</a:t>
+            <a:t>]: 0.625</a:t>
           </a:r>
         </a:p>
       </dgm:t>
@@ -5526,7 +5526,7 @@
               <a:latin typeface="Times New Roman" panose="02020603050405020304" pitchFamily="18" charset="0"/>
               <a:cs typeface="Times New Roman" panose="02020603050405020304" pitchFamily="18" charset="0"/>
             </a:rPr>
-            <a:t>]: 0.687</a:t>
+            <a:t>]: 0.672</a:t>
           </a:r>
         </a:p>
         <a:p>
@@ -5593,7 +5593,7 @@
               <a:latin typeface="Times New Roman" panose="02020603050405020304" pitchFamily="18" charset="0"/>
               <a:cs typeface="Times New Roman" panose="02020603050405020304" pitchFamily="18" charset="0"/>
             </a:rPr>
-            <a:t>]: 0.765</a:t>
+            <a:t>]: 0.672</a:t>
           </a:r>
         </a:p>
         <a:p>
@@ -5838,7 +5838,7 @@
               <a:latin typeface="Times New Roman" panose="02020603050405020304" pitchFamily="18" charset="0"/>
               <a:cs typeface="Times New Roman" panose="02020603050405020304" pitchFamily="18" charset="0"/>
             </a:rPr>
-            <a:t>]: 0.047</a:t>
+            <a:t>]: 0.063</a:t>
           </a:r>
         </a:p>
         <a:p>
@@ -6229,7 +6229,7 @@
               <a:latin typeface="Times New Roman" panose="02020603050405020304" pitchFamily="18" charset="0"/>
               <a:cs typeface="Times New Roman" panose="02020603050405020304" pitchFamily="18" charset="0"/>
             </a:rPr>
-            <a:t>]: 5.328</a:t>
+            <a:t>]: 5.297</a:t>
           </a:r>
         </a:p>
         <a:p>
@@ -6363,7 +6363,7 @@
               <a:latin typeface="Times New Roman" panose="02020603050405020304" pitchFamily="18" charset="0"/>
               <a:cs typeface="Times New Roman" panose="02020603050405020304" pitchFamily="18" charset="0"/>
             </a:rPr>
-            <a:t>]: 10.8</a:t>
+            <a:t>]: 10.828</a:t>
           </a:r>
         </a:p>
         <a:p>
@@ -6608,7 +6608,7 @@
               <a:latin typeface="Times New Roman" panose="02020603050405020304" pitchFamily="18" charset="0"/>
               <a:cs typeface="Times New Roman" panose="02020603050405020304" pitchFamily="18" charset="0"/>
             </a:rPr>
-            <a:t>]: 4.203</a:t>
+            <a:t>]: 1.0</a:t>
           </a:r>
         </a:p>
         <a:p>
@@ -6675,7 +6675,7 @@
               <a:latin typeface="Times New Roman" panose="02020603050405020304" pitchFamily="18" charset="0"/>
               <a:cs typeface="Times New Roman" panose="02020603050405020304" pitchFamily="18" charset="0"/>
             </a:rPr>
-            <a:t>]: 3.969</a:t>
+            <a:t>]: 0.625</a:t>
           </a:r>
         </a:p>
         <a:p>
@@ -22326,7 +22326,7 @@
             <p:ph idx="1"/>
             <p:extLst>
               <p:ext uri="{D42A27DB-BD31-4B8C-83A1-F6EECF244321}">
-                <p14:modId xmlns:p14="http://schemas.microsoft.com/office/powerpoint/2010/main" val="304439085"/>
+                <p14:modId xmlns:p14="http://schemas.microsoft.com/office/powerpoint/2010/main" val="685169437"/>
               </p:ext>
             </p:extLst>
           </p:nvPr>
@@ -22609,7 +22609,7 @@
             <p:ph idx="1"/>
             <p:extLst>
               <p:ext uri="{D42A27DB-BD31-4B8C-83A1-F6EECF244321}">
-                <p14:modId xmlns:p14="http://schemas.microsoft.com/office/powerpoint/2010/main" val="4087383759"/>
+                <p14:modId xmlns:p14="http://schemas.microsoft.com/office/powerpoint/2010/main" val="546335632"/>
               </p:ext>
             </p:extLst>
           </p:nvPr>
